--- a/02_Resolution_TEC/Exercices_Application/images/Figures.pptx
+++ b/02_Resolution_TEC/Exercices_Application/images/Figures.pptx
@@ -6,7 +6,7 @@
   </p:sldMasterIdLst>
   <p:sldIdLst>
     <p:sldId id="269" r:id="rId2"/>
-    <p:sldId id="268" r:id="rId3"/>
+    <p:sldId id="270" r:id="rId3"/>
   </p:sldIdLst>
   <p:sldSz cx="9144000" cy="6858000" type="screen4x3"/>
   <p:notesSz cx="6858000" cy="9144000"/>
@@ -289,7 +289,7 @@
           <a:p>
             <a:fld id="{AA309A6D-C09C-4548-B29A-6CF363A7E532}" type="datetimeFigureOut">
               <a:rPr lang="fr-FR" smtClean="0"/>
-              <a:t>02/12/2015</a:t>
+              <a:t>04/12/2015</a:t>
             </a:fld>
             <a:endParaRPr lang="fr-BE"/>
           </a:p>
@@ -454,7 +454,7 @@
           <a:p>
             <a:fld id="{AA309A6D-C09C-4548-B29A-6CF363A7E532}" type="datetimeFigureOut">
               <a:rPr lang="fr-FR" smtClean="0"/>
-              <a:t>02/12/2015</a:t>
+              <a:t>04/12/2015</a:t>
             </a:fld>
             <a:endParaRPr lang="fr-BE"/>
           </a:p>
@@ -629,7 +629,7 @@
           <a:p>
             <a:fld id="{AA309A6D-C09C-4548-B29A-6CF363A7E532}" type="datetimeFigureOut">
               <a:rPr lang="fr-FR" smtClean="0"/>
-              <a:t>02/12/2015</a:t>
+              <a:t>04/12/2015</a:t>
             </a:fld>
             <a:endParaRPr lang="fr-BE"/>
           </a:p>
@@ -794,7 +794,7 @@
           <a:p>
             <a:fld id="{AA309A6D-C09C-4548-B29A-6CF363A7E532}" type="datetimeFigureOut">
               <a:rPr lang="fr-FR" smtClean="0"/>
-              <a:t>02/12/2015</a:t>
+              <a:t>04/12/2015</a:t>
             </a:fld>
             <a:endParaRPr lang="fr-BE"/>
           </a:p>
@@ -1035,7 +1035,7 @@
           <a:p>
             <a:fld id="{AA309A6D-C09C-4548-B29A-6CF363A7E532}" type="datetimeFigureOut">
               <a:rPr lang="fr-FR" smtClean="0"/>
-              <a:t>02/12/2015</a:t>
+              <a:t>04/12/2015</a:t>
             </a:fld>
             <a:endParaRPr lang="fr-BE"/>
           </a:p>
@@ -1318,7 +1318,7 @@
           <a:p>
             <a:fld id="{AA309A6D-C09C-4548-B29A-6CF363A7E532}" type="datetimeFigureOut">
               <a:rPr lang="fr-FR" smtClean="0"/>
-              <a:t>02/12/2015</a:t>
+              <a:t>04/12/2015</a:t>
             </a:fld>
             <a:endParaRPr lang="fr-BE"/>
           </a:p>
@@ -1735,7 +1735,7 @@
           <a:p>
             <a:fld id="{AA309A6D-C09C-4548-B29A-6CF363A7E532}" type="datetimeFigureOut">
               <a:rPr lang="fr-FR" smtClean="0"/>
-              <a:t>02/12/2015</a:t>
+              <a:t>04/12/2015</a:t>
             </a:fld>
             <a:endParaRPr lang="fr-BE"/>
           </a:p>
@@ -1848,7 +1848,7 @@
           <a:p>
             <a:fld id="{AA309A6D-C09C-4548-B29A-6CF363A7E532}" type="datetimeFigureOut">
               <a:rPr lang="fr-FR" smtClean="0"/>
-              <a:t>02/12/2015</a:t>
+              <a:t>04/12/2015</a:t>
             </a:fld>
             <a:endParaRPr lang="fr-BE"/>
           </a:p>
@@ -1938,7 +1938,7 @@
           <a:p>
             <a:fld id="{AA309A6D-C09C-4548-B29A-6CF363A7E532}" type="datetimeFigureOut">
               <a:rPr lang="fr-FR" smtClean="0"/>
-              <a:t>02/12/2015</a:t>
+              <a:t>04/12/2015</a:t>
             </a:fld>
             <a:endParaRPr lang="fr-BE"/>
           </a:p>
@@ -2210,7 +2210,7 @@
           <a:p>
             <a:fld id="{AA309A6D-C09C-4548-B29A-6CF363A7E532}" type="datetimeFigureOut">
               <a:rPr lang="fr-FR" smtClean="0"/>
-              <a:t>02/12/2015</a:t>
+              <a:t>04/12/2015</a:t>
             </a:fld>
             <a:endParaRPr lang="fr-BE"/>
           </a:p>
@@ -2458,7 +2458,7 @@
           <a:p>
             <a:fld id="{AA309A6D-C09C-4548-B29A-6CF363A7E532}" type="datetimeFigureOut">
               <a:rPr lang="fr-FR" smtClean="0"/>
-              <a:t>02/12/2015</a:t>
+              <a:t>04/12/2015</a:t>
             </a:fld>
             <a:endParaRPr lang="fr-BE"/>
           </a:p>
@@ -2666,7 +2666,7 @@
           <a:p>
             <a:fld id="{AA309A6D-C09C-4548-B29A-6CF363A7E532}" type="datetimeFigureOut">
               <a:rPr lang="fr-FR" smtClean="0"/>
-              <a:t>02/12/2015</a:t>
+              <a:t>04/12/2015</a:t>
             </a:fld>
             <a:endParaRPr lang="fr-BE"/>
           </a:p>
@@ -3830,8 +3830,8 @@
         </p:nvCxnSpPr>
         <p:spPr>
           <a:xfrm flipH="1">
-            <a:off x="1979712" y="188640"/>
-            <a:ext cx="1152128" cy="0"/>
+            <a:off x="1259632" y="188640"/>
+            <a:ext cx="1872208" cy="0"/>
           </a:xfrm>
           <a:prstGeom prst="line">
             <a:avLst/>
@@ -4412,8 +4412,8 @@
           </a:fontRef>
         </p:style>
       </p:cxnSp>
-      <mc:AlternateContent xmlns:mc="http://schemas.openxmlformats.org/markup-compatibility/2006">
-        <mc:Choice xmlns:a14="http://schemas.microsoft.com/office/drawing/2010/main" Requires="a14">
+      <mc:AlternateContent xmlns:mc="http://schemas.openxmlformats.org/markup-compatibility/2006" xmlns:a14="http://schemas.microsoft.com/office/drawing/2010/main">
+        <mc:Choice Requires="a14">
           <p:sp>
             <p:nvSpPr>
               <p:cNvPr id="64" name="ZoneTexte 63"/>
@@ -4436,6 +4436,7 @@
               </a:bodyPr>
               <a:lstStyle/>
               <a:p>
+                <a:pPr/>
                 <a14:m>
                   <m:oMathPara xmlns:m="http://schemas.openxmlformats.org/officeDocument/2006/math">
                     <m:oMathParaPr>
@@ -4487,7 +4488,7 @@
             </p:txBody>
           </p:sp>
         </mc:Choice>
-        <mc:Fallback>
+        <mc:Fallback xmlns="">
           <p:sp>
             <p:nvSpPr>
               <p:cNvPr id="64" name="ZoneTexte 63"/>
@@ -4526,8 +4527,8 @@
           </p:sp>
         </mc:Fallback>
       </mc:AlternateContent>
-      <mc:AlternateContent xmlns:mc="http://schemas.openxmlformats.org/markup-compatibility/2006">
-        <mc:Choice xmlns:a14="http://schemas.microsoft.com/office/drawing/2010/main" Requires="a14">
+      <mc:AlternateContent xmlns:mc="http://schemas.openxmlformats.org/markup-compatibility/2006" xmlns:a14="http://schemas.microsoft.com/office/drawing/2010/main">
+        <mc:Choice Requires="a14">
           <p:sp>
             <p:nvSpPr>
               <p:cNvPr id="65" name="ZoneTexte 64"/>
@@ -4550,6 +4551,7 @@
               </a:bodyPr>
               <a:lstStyle/>
               <a:p>
+                <a:pPr/>
                 <a14:m>
                   <m:oMathPara xmlns:m="http://schemas.openxmlformats.org/officeDocument/2006/math">
                     <m:oMathParaPr>
@@ -4601,7 +4603,7 @@
             </p:txBody>
           </p:sp>
         </mc:Choice>
-        <mc:Fallback>
+        <mc:Fallback xmlns="">
           <p:sp>
             <p:nvSpPr>
               <p:cNvPr id="65" name="ZoneTexte 64"/>
@@ -4821,7 +4823,7 @@
           <a:p>
             <a:pPr algn="ctr"/>
             <a:r>
-              <a:rPr lang="fr-FR" sz="1400" dirty="0" smtClean="0">
+              <a:rPr lang="fr-FR" sz="1400" dirty="0">
                 <a:ln>
                   <a:solidFill>
                     <a:schemeClr val="accent5">
@@ -4835,7 +4837,7 @@
                   </a:schemeClr>
                 </a:solidFill>
               </a:rPr>
-              <a:t>2</a:t>
+              <a:t>3</a:t>
             </a:r>
             <a:endParaRPr lang="fr-FR" sz="1400" dirty="0">
               <a:ln>
@@ -4895,8 +4897,8 @@
           </a:fontRef>
         </p:style>
       </p:cxnSp>
-      <mc:AlternateContent xmlns:mc="http://schemas.openxmlformats.org/markup-compatibility/2006">
-        <mc:Choice xmlns:a14="http://schemas.microsoft.com/office/drawing/2010/main" Requires="a14">
+      <mc:AlternateContent xmlns:mc="http://schemas.openxmlformats.org/markup-compatibility/2006" xmlns:a14="http://schemas.microsoft.com/office/drawing/2010/main">
+        <mc:Choice Requires="a14">
           <p:sp>
             <p:nvSpPr>
               <p:cNvPr id="70" name="ZoneTexte 69"/>
@@ -4919,6 +4921,7 @@
               </a:bodyPr>
               <a:lstStyle/>
               <a:p>
+                <a:pPr/>
                 <a14:m>
                   <m:oMathPara xmlns:m="http://schemas.openxmlformats.org/officeDocument/2006/math">
                     <m:oMathParaPr>
@@ -4970,7 +4973,7 @@
             </p:txBody>
           </p:sp>
         </mc:Choice>
-        <mc:Fallback>
+        <mc:Fallback xmlns="">
           <p:sp>
             <p:nvSpPr>
               <p:cNvPr id="70" name="ZoneTexte 69"/>
@@ -4989,6 +4992,280 @@
               </a:prstGeom>
               <a:blipFill rotWithShape="1">
                 <a:blip r:embed="rId4"/>
+                <a:stretch>
+                  <a:fillRect/>
+                </a:stretch>
+              </a:blipFill>
+            </p:spPr>
+            <p:txBody>
+              <a:bodyPr/>
+              <a:lstStyle/>
+              <a:p>
+                <a:r>
+                  <a:rPr lang="fr-FR">
+                    <a:noFill/>
+                  </a:rPr>
+                  <a:t> </a:t>
+                </a:r>
+              </a:p>
+            </p:txBody>
+          </p:sp>
+        </mc:Fallback>
+      </mc:AlternateContent>
+      <p:sp>
+        <p:nvSpPr>
+          <p:cNvPr id="40" name="Ellipse 39"/>
+          <p:cNvSpPr/>
+          <p:nvPr/>
+        </p:nvSpPr>
+        <p:spPr>
+          <a:xfrm>
+            <a:off x="2777316" y="3483405"/>
+            <a:ext cx="276999" cy="276999"/>
+          </a:xfrm>
+          <a:prstGeom prst="ellipse">
+            <a:avLst/>
+          </a:prstGeom>
+          <a:noFill/>
+          <a:ln w="28575">
+            <a:solidFill>
+              <a:schemeClr val="tx1"/>
+            </a:solidFill>
+          </a:ln>
+        </p:spPr>
+        <p:style>
+          <a:lnRef idx="2">
+            <a:schemeClr val="accent1">
+              <a:shade val="50000"/>
+            </a:schemeClr>
+          </a:lnRef>
+          <a:fillRef idx="1">
+            <a:schemeClr val="accent1"/>
+          </a:fillRef>
+          <a:effectRef idx="0">
+            <a:schemeClr val="accent1"/>
+          </a:effectRef>
+          <a:fontRef idx="minor">
+            <a:schemeClr val="lt1"/>
+          </a:fontRef>
+        </p:style>
+        <p:txBody>
+          <a:bodyPr lIns="0" tIns="0" rIns="0" bIns="0" rtlCol="0" anchor="ctr"/>
+          <a:lstStyle/>
+          <a:p>
+            <a:pPr algn="ctr"/>
+            <a:r>
+              <a:rPr lang="fr-FR" sz="1400" dirty="0">
+                <a:ln>
+                  <a:solidFill>
+                    <a:sysClr val="windowText" lastClr="000000"/>
+                  </a:solidFill>
+                </a:ln>
+                <a:solidFill>
+                  <a:schemeClr val="tx1"/>
+                </a:solidFill>
+              </a:rPr>
+              <a:t>0</a:t>
+            </a:r>
+            <a:endParaRPr lang="fr-FR" sz="1400" dirty="0">
+              <a:ln>
+                <a:solidFill>
+                  <a:sysClr val="windowText" lastClr="000000"/>
+                </a:solidFill>
+              </a:ln>
+              <a:solidFill>
+                <a:schemeClr val="tx1"/>
+              </a:solidFill>
+            </a:endParaRPr>
+          </a:p>
+        </p:txBody>
+      </p:sp>
+      <p:cxnSp>
+        <p:nvCxnSpPr>
+          <p:cNvPr id="42" name="Connecteur droit 41"/>
+          <p:cNvCxnSpPr/>
+          <p:nvPr/>
+        </p:nvCxnSpPr>
+        <p:spPr>
+          <a:xfrm>
+            <a:off x="1259632" y="188640"/>
+            <a:ext cx="0" cy="1686310"/>
+          </a:xfrm>
+          <a:prstGeom prst="line">
+            <a:avLst/>
+          </a:prstGeom>
+          <a:noFill/>
+          <a:ln w="28575">
+            <a:solidFill>
+              <a:schemeClr val="tx1"/>
+            </a:solidFill>
+          </a:ln>
+        </p:spPr>
+        <p:style>
+          <a:lnRef idx="2">
+            <a:schemeClr val="accent1">
+              <a:shade val="50000"/>
+            </a:schemeClr>
+          </a:lnRef>
+          <a:fillRef idx="1">
+            <a:schemeClr val="accent1"/>
+          </a:fillRef>
+          <a:effectRef idx="0">
+            <a:schemeClr val="accent1"/>
+          </a:effectRef>
+          <a:fontRef idx="minor">
+            <a:schemeClr val="lt1"/>
+          </a:fontRef>
+        </p:style>
+      </p:cxnSp>
+      <mc:AlternateContent xmlns:mc="http://schemas.openxmlformats.org/markup-compatibility/2006">
+        <mc:Choice xmlns:a14="http://schemas.microsoft.com/office/drawing/2010/main" Requires="a14">
+          <p:sp>
+            <p:nvSpPr>
+              <p:cNvPr id="44" name="ZoneTexte 43"/>
+              <p:cNvSpPr txBox="1"/>
+              <p:nvPr/>
+            </p:nvSpPr>
+            <p:spPr>
+              <a:xfrm>
+                <a:off x="2021480" y="1850340"/>
+                <a:ext cx="322524" cy="276999"/>
+              </a:xfrm>
+              <a:prstGeom prst="rect">
+                <a:avLst/>
+              </a:prstGeom>
+              <a:noFill/>
+            </p:spPr>
+            <p:txBody>
+              <a:bodyPr wrap="none" rtlCol="0">
+                <a:spAutoFit/>
+              </a:bodyPr>
+              <a:lstStyle/>
+              <a:p>
+                <a:pPr/>
+                <a14:m>
+                  <m:oMathPara xmlns:m="http://schemas.openxmlformats.org/officeDocument/2006/math">
+                    <m:oMathParaPr>
+                      <m:jc m:val="centerGroup"/>
+                    </m:oMathParaPr>
+                    <m:oMath xmlns:m="http://schemas.openxmlformats.org/officeDocument/2006/math">
+                      <m:r>
+                        <a:rPr lang="fr-FR" sz="1200" b="1" i="1" smtClean="0">
+                          <a:latin typeface="Cambria Math"/>
+                        </a:rPr>
+                        <m:t>𝑨</m:t>
+                      </m:r>
+                    </m:oMath>
+                  </m:oMathPara>
+                </a14:m>
+                <a:endParaRPr lang="fr-FR" sz="1200" b="1" dirty="0"/>
+              </a:p>
+            </p:txBody>
+          </p:sp>
+        </mc:Choice>
+        <mc:Fallback>
+          <p:sp>
+            <p:nvSpPr>
+              <p:cNvPr id="44" name="ZoneTexte 43"/>
+              <p:cNvSpPr txBox="1">
+                <a:spLocks noRot="1" noChangeAspect="1" noMove="1" noResize="1" noEditPoints="1" noAdjustHandles="1" noChangeArrowheads="1" noChangeShapeType="1" noTextEdit="1"/>
+              </p:cNvSpPr>
+              <p:nvPr/>
+            </p:nvSpPr>
+            <p:spPr>
+              <a:xfrm>
+                <a:off x="2021480" y="1850340"/>
+                <a:ext cx="322524" cy="276999"/>
+              </a:xfrm>
+              <a:prstGeom prst="rect">
+                <a:avLst/>
+              </a:prstGeom>
+              <a:blipFill rotWithShape="1">
+                <a:blip r:embed="rId5"/>
+                <a:stretch>
+                  <a:fillRect/>
+                </a:stretch>
+              </a:blipFill>
+            </p:spPr>
+            <p:txBody>
+              <a:bodyPr/>
+              <a:lstStyle/>
+              <a:p>
+                <a:r>
+                  <a:rPr lang="fr-FR">
+                    <a:noFill/>
+                  </a:rPr>
+                  <a:t> </a:t>
+                </a:r>
+              </a:p>
+            </p:txBody>
+          </p:sp>
+        </mc:Fallback>
+      </mc:AlternateContent>
+      <mc:AlternateContent xmlns:mc="http://schemas.openxmlformats.org/markup-compatibility/2006">
+        <mc:Choice xmlns:a14="http://schemas.microsoft.com/office/drawing/2010/main" Requires="a14">
+          <p:sp>
+            <p:nvSpPr>
+              <p:cNvPr id="45" name="ZoneTexte 44"/>
+              <p:cNvSpPr txBox="1"/>
+              <p:nvPr/>
+            </p:nvSpPr>
+            <p:spPr>
+              <a:xfrm>
+                <a:off x="1285745" y="645639"/>
+                <a:ext cx="330540" cy="276999"/>
+              </a:xfrm>
+              <a:prstGeom prst="rect">
+                <a:avLst/>
+              </a:prstGeom>
+              <a:noFill/>
+            </p:spPr>
+            <p:txBody>
+              <a:bodyPr wrap="none" rtlCol="0">
+                <a:spAutoFit/>
+              </a:bodyPr>
+              <a:lstStyle/>
+              <a:p>
+                <a:pPr/>
+                <a14:m>
+                  <m:oMathPara xmlns:m="http://schemas.openxmlformats.org/officeDocument/2006/math">
+                    <m:oMathParaPr>
+                      <m:jc m:val="centerGroup"/>
+                    </m:oMathParaPr>
+                    <m:oMath xmlns:m="http://schemas.openxmlformats.org/officeDocument/2006/math">
+                      <m:r>
+                        <a:rPr lang="fr-FR" sz="1200" b="1" i="1" smtClean="0">
+                          <a:latin typeface="Cambria Math"/>
+                        </a:rPr>
+                        <m:t>𝑩</m:t>
+                      </m:r>
+                    </m:oMath>
+                  </m:oMathPara>
+                </a14:m>
+                <a:endParaRPr lang="fr-FR" sz="1200" b="1" dirty="0"/>
+              </a:p>
+            </p:txBody>
+          </p:sp>
+        </mc:Choice>
+        <mc:Fallback>
+          <p:sp>
+            <p:nvSpPr>
+              <p:cNvPr id="45" name="ZoneTexte 44"/>
+              <p:cNvSpPr txBox="1">
+                <a:spLocks noRot="1" noChangeAspect="1" noMove="1" noResize="1" noEditPoints="1" noAdjustHandles="1" noChangeArrowheads="1" noChangeShapeType="1" noTextEdit="1"/>
+              </p:cNvSpPr>
+              <p:nvPr/>
+            </p:nvSpPr>
+            <p:spPr>
+              <a:xfrm>
+                <a:off x="1285745" y="645639"/>
+                <a:ext cx="330540" cy="276999"/>
+              </a:xfrm>
+              <a:prstGeom prst="rect">
+                <a:avLst/>
+              </a:prstGeom>
+              <a:blipFill rotWithShape="1">
+                <a:blip r:embed="rId6"/>
                 <a:stretch>
                   <a:fillRect/>
                 </a:stretch>
@@ -5046,14 +5323,259 @@
           <p:nvPr/>
         </p:nvCxnSpPr>
         <p:spPr>
-          <a:xfrm flipV="1">
-            <a:off x="932856" y="1265999"/>
-            <a:ext cx="2198984" cy="0"/>
+          <a:xfrm>
+            <a:off x="899592" y="1988840"/>
+            <a:ext cx="1080120" cy="0"/>
           </a:xfrm>
           <a:prstGeom prst="line">
             <a:avLst/>
           </a:prstGeom>
-          <a:ln w="38100">
+          <a:noFill/>
+          <a:ln w="28575">
+            <a:solidFill>
+              <a:srgbClr val="7030A0"/>
+            </a:solidFill>
+          </a:ln>
+        </p:spPr>
+        <p:style>
+          <a:lnRef idx="2">
+            <a:schemeClr val="accent1">
+              <a:shade val="50000"/>
+            </a:schemeClr>
+          </a:lnRef>
+          <a:fillRef idx="1">
+            <a:schemeClr val="accent1"/>
+          </a:fillRef>
+          <a:effectRef idx="0">
+            <a:schemeClr val="accent1"/>
+          </a:effectRef>
+          <a:fontRef idx="minor">
+            <a:schemeClr val="lt1"/>
+          </a:fontRef>
+        </p:style>
+      </p:cxnSp>
+      <p:sp>
+        <p:nvSpPr>
+          <p:cNvPr id="6" name="Rectangle 5"/>
+          <p:cNvSpPr/>
+          <p:nvPr/>
+        </p:nvSpPr>
+        <p:spPr>
+          <a:xfrm>
+            <a:off x="1043608" y="1880828"/>
+            <a:ext cx="432048" cy="216024"/>
+          </a:xfrm>
+          <a:prstGeom prst="rect">
+            <a:avLst/>
+          </a:prstGeom>
+          <a:noFill/>
+          <a:ln w="28575">
+            <a:solidFill>
+              <a:schemeClr val="tx1"/>
+            </a:solidFill>
+          </a:ln>
+        </p:spPr>
+        <p:style>
+          <a:lnRef idx="2">
+            <a:schemeClr val="accent1">
+              <a:shade val="50000"/>
+            </a:schemeClr>
+          </a:lnRef>
+          <a:fillRef idx="1">
+            <a:schemeClr val="accent1"/>
+          </a:fillRef>
+          <a:effectRef idx="0">
+            <a:schemeClr val="accent1"/>
+          </a:effectRef>
+          <a:fontRef idx="minor">
+            <a:schemeClr val="lt1"/>
+          </a:fontRef>
+        </p:style>
+        <p:txBody>
+          <a:bodyPr rtlCol="0" anchor="ctr"/>
+          <a:lstStyle/>
+          <a:p>
+            <a:pPr algn="ctr"/>
+            <a:endParaRPr lang="fr-FR"/>
+          </a:p>
+        </p:txBody>
+      </p:sp>
+      <p:cxnSp>
+        <p:nvCxnSpPr>
+          <p:cNvPr id="8" name="Connecteur droit 7"/>
+          <p:cNvCxnSpPr/>
+          <p:nvPr/>
+        </p:nvCxnSpPr>
+        <p:spPr>
+          <a:xfrm>
+            <a:off x="971600" y="1880828"/>
+            <a:ext cx="0" cy="216024"/>
+          </a:xfrm>
+          <a:prstGeom prst="line">
+            <a:avLst/>
+          </a:prstGeom>
+          <a:noFill/>
+          <a:ln w="28575">
+            <a:solidFill>
+              <a:srgbClr val="7030A0"/>
+            </a:solidFill>
+          </a:ln>
+        </p:spPr>
+        <p:style>
+          <a:lnRef idx="2">
+            <a:schemeClr val="accent1">
+              <a:shade val="50000"/>
+            </a:schemeClr>
+          </a:lnRef>
+          <a:fillRef idx="1">
+            <a:schemeClr val="accent1"/>
+          </a:fillRef>
+          <a:effectRef idx="0">
+            <a:schemeClr val="accent1"/>
+          </a:effectRef>
+          <a:fontRef idx="minor">
+            <a:schemeClr val="lt1"/>
+          </a:fontRef>
+        </p:style>
+      </p:cxnSp>
+      <p:cxnSp>
+        <p:nvCxnSpPr>
+          <p:cNvPr id="12" name="Connecteur droit 11"/>
+          <p:cNvCxnSpPr/>
+          <p:nvPr/>
+        </p:nvCxnSpPr>
+        <p:spPr>
+          <a:xfrm>
+            <a:off x="1547664" y="1880828"/>
+            <a:ext cx="0" cy="216024"/>
+          </a:xfrm>
+          <a:prstGeom prst="line">
+            <a:avLst/>
+          </a:prstGeom>
+          <a:noFill/>
+          <a:ln w="28575">
+            <a:solidFill>
+              <a:srgbClr val="7030A0"/>
+            </a:solidFill>
+          </a:ln>
+        </p:spPr>
+        <p:style>
+          <a:lnRef idx="2">
+            <a:schemeClr val="accent1">
+              <a:shade val="50000"/>
+            </a:schemeClr>
+          </a:lnRef>
+          <a:fillRef idx="1">
+            <a:schemeClr val="accent1"/>
+          </a:fillRef>
+          <a:effectRef idx="0">
+            <a:schemeClr val="accent1"/>
+          </a:effectRef>
+          <a:fontRef idx="minor">
+            <a:schemeClr val="lt1"/>
+          </a:fontRef>
+        </p:style>
+      </p:cxnSp>
+      <p:cxnSp>
+        <p:nvCxnSpPr>
+          <p:cNvPr id="17" name="Connecteur droit 16"/>
+          <p:cNvCxnSpPr/>
+          <p:nvPr/>
+        </p:nvCxnSpPr>
+        <p:spPr>
+          <a:xfrm>
+            <a:off x="1979712" y="1268760"/>
+            <a:ext cx="0" cy="1440160"/>
+          </a:xfrm>
+          <a:prstGeom prst="line">
+            <a:avLst/>
+          </a:prstGeom>
+          <a:noFill/>
+          <a:ln w="28575">
+            <a:solidFill>
+              <a:srgbClr val="7030A0"/>
+            </a:solidFill>
+          </a:ln>
+        </p:spPr>
+        <p:style>
+          <a:lnRef idx="2">
+            <a:schemeClr val="accent1">
+              <a:shade val="50000"/>
+            </a:schemeClr>
+          </a:lnRef>
+          <a:fillRef idx="1">
+            <a:schemeClr val="accent1"/>
+          </a:fillRef>
+          <a:effectRef idx="0">
+            <a:schemeClr val="accent1"/>
+          </a:effectRef>
+          <a:fontRef idx="minor">
+            <a:schemeClr val="lt1"/>
+          </a:fontRef>
+        </p:style>
+      </p:cxnSp>
+      <p:sp>
+        <p:nvSpPr>
+          <p:cNvPr id="21" name="Rectangle 20"/>
+          <p:cNvSpPr/>
+          <p:nvPr/>
+        </p:nvSpPr>
+        <p:spPr>
+          <a:xfrm>
+            <a:off x="1763688" y="692696"/>
+            <a:ext cx="432048" cy="216024"/>
+          </a:xfrm>
+          <a:prstGeom prst="rect">
+            <a:avLst/>
+          </a:prstGeom>
+          <a:noFill/>
+          <a:ln w="28575">
+            <a:solidFill>
+              <a:srgbClr val="C00000"/>
+            </a:solidFill>
+          </a:ln>
+        </p:spPr>
+        <p:style>
+          <a:lnRef idx="2">
+            <a:schemeClr val="accent1">
+              <a:shade val="50000"/>
+            </a:schemeClr>
+          </a:lnRef>
+          <a:fillRef idx="1">
+            <a:schemeClr val="accent1"/>
+          </a:fillRef>
+          <a:effectRef idx="0">
+            <a:schemeClr val="accent1"/>
+          </a:effectRef>
+          <a:fontRef idx="minor">
+            <a:schemeClr val="lt1"/>
+          </a:fontRef>
+        </p:style>
+        <p:txBody>
+          <a:bodyPr rtlCol="0" anchor="ctr"/>
+          <a:lstStyle/>
+          <a:p>
+            <a:pPr algn="ctr"/>
+            <a:endParaRPr lang="fr-FR"/>
+          </a:p>
+        </p:txBody>
+      </p:sp>
+      <p:cxnSp>
+        <p:nvCxnSpPr>
+          <p:cNvPr id="22" name="Connecteur droit 21"/>
+          <p:cNvCxnSpPr/>
+          <p:nvPr/>
+        </p:nvCxnSpPr>
+        <p:spPr>
+          <a:xfrm>
+            <a:off x="1691680" y="692696"/>
+            <a:ext cx="0" cy="216024"/>
+          </a:xfrm>
+          <a:prstGeom prst="line">
+            <a:avLst/>
+          </a:prstGeom>
+          <a:noFill/>
+          <a:ln w="28575">
             <a:solidFill>
               <a:schemeClr val="accent5">
                 <a:lumMod val="50000"/>
@@ -5062,281 +5584,1454 @@
           </a:ln>
         </p:spPr>
         <p:style>
-          <a:lnRef idx="1">
-            <a:schemeClr val="accent1"/>
+          <a:lnRef idx="2">
+            <a:schemeClr val="accent1">
+              <a:shade val="50000"/>
+            </a:schemeClr>
           </a:lnRef>
-          <a:fillRef idx="0">
+          <a:fillRef idx="1">
             <a:schemeClr val="accent1"/>
           </a:fillRef>
           <a:effectRef idx="0">
             <a:schemeClr val="accent1"/>
           </a:effectRef>
           <a:fontRef idx="minor">
-            <a:schemeClr val="tx1"/>
+            <a:schemeClr val="lt1"/>
           </a:fontRef>
         </p:style>
       </p:cxnSp>
-      <p:grpSp>
-        <p:nvGrpSpPr>
-          <p:cNvPr id="2" name="Groupe 1"/>
-          <p:cNvGrpSpPr/>
+      <p:cxnSp>
+        <p:nvCxnSpPr>
+          <p:cNvPr id="23" name="Connecteur droit 22"/>
+          <p:cNvCxnSpPr/>
           <p:nvPr/>
-        </p:nvGrpSpPr>
-        <p:grpSpPr>
-          <a:xfrm rot="5400000">
-            <a:off x="529926" y="1201072"/>
-            <a:ext cx="729276" cy="140596"/>
-            <a:chOff x="607650" y="1421160"/>
-            <a:chExt cx="729276" cy="140596"/>
-          </a:xfrm>
-        </p:grpSpPr>
-        <p:sp>
-          <p:nvSpPr>
-            <p:cNvPr id="11" name="Forme libre 10"/>
-            <p:cNvSpPr/>
-            <p:nvPr/>
-          </p:nvSpPr>
-          <p:spPr>
-            <a:xfrm>
-              <a:off x="607650" y="1421160"/>
-              <a:ext cx="729276" cy="140596"/>
-            </a:xfrm>
-            <a:custGeom>
-              <a:avLst/>
-              <a:gdLst>
-                <a:gd name="connsiteX0" fmla="*/ 0 w 729276"/>
-                <a:gd name="connsiteY0" fmla="*/ 0 h 152951"/>
-                <a:gd name="connsiteX1" fmla="*/ 168294 w 729276"/>
-                <a:gd name="connsiteY1" fmla="*/ 134635 h 152951"/>
-                <a:gd name="connsiteX2" fmla="*/ 381467 w 729276"/>
-                <a:gd name="connsiteY2" fmla="*/ 84147 h 152951"/>
-                <a:gd name="connsiteX3" fmla="*/ 594640 w 729276"/>
-                <a:gd name="connsiteY3" fmla="*/ 151465 h 152951"/>
-                <a:gd name="connsiteX4" fmla="*/ 729276 w 729276"/>
-                <a:gd name="connsiteY4" fmla="*/ 5610 h 152951"/>
-                <a:gd name="connsiteX0" fmla="*/ 0 w 732876"/>
-                <a:gd name="connsiteY0" fmla="*/ 7459 h 160523"/>
-                <a:gd name="connsiteX1" fmla="*/ 168294 w 732876"/>
-                <a:gd name="connsiteY1" fmla="*/ 142094 h 160523"/>
-                <a:gd name="connsiteX2" fmla="*/ 381467 w 732876"/>
-                <a:gd name="connsiteY2" fmla="*/ 91606 h 160523"/>
-                <a:gd name="connsiteX3" fmla="*/ 594640 w 732876"/>
-                <a:gd name="connsiteY3" fmla="*/ 158924 h 160523"/>
-                <a:gd name="connsiteX4" fmla="*/ 719996 w 732876"/>
-                <a:gd name="connsiteY4" fmla="*/ 9693 h 160523"/>
-                <a:gd name="connsiteX5" fmla="*/ 729276 w 732876"/>
-                <a:gd name="connsiteY5" fmla="*/ 13069 h 160523"/>
-                <a:gd name="connsiteX0" fmla="*/ 0 w 732876"/>
-                <a:gd name="connsiteY0" fmla="*/ 7459 h 144116"/>
-                <a:gd name="connsiteX1" fmla="*/ 168294 w 732876"/>
-                <a:gd name="connsiteY1" fmla="*/ 142094 h 144116"/>
-                <a:gd name="connsiteX2" fmla="*/ 381467 w 732876"/>
-                <a:gd name="connsiteY2" fmla="*/ 91606 h 144116"/>
-                <a:gd name="connsiteX3" fmla="*/ 589488 w 732876"/>
-                <a:gd name="connsiteY3" fmla="*/ 135742 h 144116"/>
-                <a:gd name="connsiteX4" fmla="*/ 719996 w 732876"/>
-                <a:gd name="connsiteY4" fmla="*/ 9693 h 144116"/>
-                <a:gd name="connsiteX5" fmla="*/ 729276 w 732876"/>
-                <a:gd name="connsiteY5" fmla="*/ 13069 h 144116"/>
-                <a:gd name="connsiteX0" fmla="*/ 0 w 731506"/>
-                <a:gd name="connsiteY0" fmla="*/ 0 h 136657"/>
-                <a:gd name="connsiteX1" fmla="*/ 168294 w 731506"/>
-                <a:gd name="connsiteY1" fmla="*/ 134635 h 136657"/>
-                <a:gd name="connsiteX2" fmla="*/ 381467 w 731506"/>
-                <a:gd name="connsiteY2" fmla="*/ 84147 h 136657"/>
-                <a:gd name="connsiteX3" fmla="*/ 589488 w 731506"/>
-                <a:gd name="connsiteY3" fmla="*/ 128283 h 136657"/>
-                <a:gd name="connsiteX4" fmla="*/ 717420 w 731506"/>
-                <a:gd name="connsiteY4" fmla="*/ 35719 h 136657"/>
-                <a:gd name="connsiteX5" fmla="*/ 729276 w 731506"/>
-                <a:gd name="connsiteY5" fmla="*/ 5610 h 136657"/>
-                <a:gd name="connsiteX0" fmla="*/ 0 w 729276"/>
-                <a:gd name="connsiteY0" fmla="*/ 0 h 136657"/>
-                <a:gd name="connsiteX1" fmla="*/ 168294 w 729276"/>
-                <a:gd name="connsiteY1" fmla="*/ 134635 h 136657"/>
-                <a:gd name="connsiteX2" fmla="*/ 381467 w 729276"/>
-                <a:gd name="connsiteY2" fmla="*/ 84147 h 136657"/>
-                <a:gd name="connsiteX3" fmla="*/ 589488 w 729276"/>
-                <a:gd name="connsiteY3" fmla="*/ 128283 h 136657"/>
-                <a:gd name="connsiteX4" fmla="*/ 631695 w 729276"/>
-                <a:gd name="connsiteY4" fmla="*/ 59532 h 136657"/>
-                <a:gd name="connsiteX5" fmla="*/ 729276 w 729276"/>
-                <a:gd name="connsiteY5" fmla="*/ 5610 h 136657"/>
-                <a:gd name="connsiteX0" fmla="*/ 0 w 729276"/>
-                <a:gd name="connsiteY0" fmla="*/ 0 h 136657"/>
-                <a:gd name="connsiteX1" fmla="*/ 168294 w 729276"/>
-                <a:gd name="connsiteY1" fmla="*/ 134635 h 136657"/>
-                <a:gd name="connsiteX2" fmla="*/ 381467 w 729276"/>
-                <a:gd name="connsiteY2" fmla="*/ 84147 h 136657"/>
-                <a:gd name="connsiteX3" fmla="*/ 589488 w 729276"/>
-                <a:gd name="connsiteY3" fmla="*/ 128283 h 136657"/>
-                <a:gd name="connsiteX4" fmla="*/ 729276 w 729276"/>
-                <a:gd name="connsiteY4" fmla="*/ 5610 h 136657"/>
-                <a:gd name="connsiteX0" fmla="*/ 0 w 729276"/>
-                <a:gd name="connsiteY0" fmla="*/ 0 h 136657"/>
-                <a:gd name="connsiteX1" fmla="*/ 168294 w 729276"/>
-                <a:gd name="connsiteY1" fmla="*/ 134635 h 136657"/>
-                <a:gd name="connsiteX2" fmla="*/ 381467 w 729276"/>
-                <a:gd name="connsiteY2" fmla="*/ 84147 h 136657"/>
-                <a:gd name="connsiteX3" fmla="*/ 589488 w 729276"/>
-                <a:gd name="connsiteY3" fmla="*/ 128283 h 136657"/>
-                <a:gd name="connsiteX4" fmla="*/ 729276 w 729276"/>
-                <a:gd name="connsiteY4" fmla="*/ 5610 h 136657"/>
-                <a:gd name="connsiteX0" fmla="*/ 0 w 729276"/>
-                <a:gd name="connsiteY0" fmla="*/ 0 h 141857"/>
-                <a:gd name="connsiteX1" fmla="*/ 168294 w 729276"/>
-                <a:gd name="connsiteY1" fmla="*/ 134635 h 141857"/>
-                <a:gd name="connsiteX2" fmla="*/ 381467 w 729276"/>
-                <a:gd name="connsiteY2" fmla="*/ 84147 h 141857"/>
-                <a:gd name="connsiteX3" fmla="*/ 577581 w 729276"/>
-                <a:gd name="connsiteY3" fmla="*/ 140189 h 141857"/>
-                <a:gd name="connsiteX4" fmla="*/ 729276 w 729276"/>
-                <a:gd name="connsiteY4" fmla="*/ 5610 h 141857"/>
-                <a:gd name="connsiteX0" fmla="*/ 0 w 729276"/>
-                <a:gd name="connsiteY0" fmla="*/ 0 h 140596"/>
-                <a:gd name="connsiteX1" fmla="*/ 168294 w 729276"/>
-                <a:gd name="connsiteY1" fmla="*/ 134635 h 140596"/>
-                <a:gd name="connsiteX2" fmla="*/ 381467 w 729276"/>
-                <a:gd name="connsiteY2" fmla="*/ 84147 h 140596"/>
-                <a:gd name="connsiteX3" fmla="*/ 577581 w 729276"/>
-                <a:gd name="connsiteY3" fmla="*/ 140189 h 140596"/>
-                <a:gd name="connsiteX4" fmla="*/ 729276 w 729276"/>
-                <a:gd name="connsiteY4" fmla="*/ 5610 h 140596"/>
-              </a:gdLst>
-              <a:ahLst/>
-              <a:cxnLst>
-                <a:cxn ang="0">
-                  <a:pos x="connsiteX0" y="connsiteY0"/>
-                </a:cxn>
-                <a:cxn ang="0">
-                  <a:pos x="connsiteX1" y="connsiteY1"/>
-                </a:cxn>
-                <a:cxn ang="0">
-                  <a:pos x="connsiteX2" y="connsiteY2"/>
-                </a:cxn>
-                <a:cxn ang="0">
-                  <a:pos x="connsiteX3" y="connsiteY3"/>
-                </a:cxn>
-                <a:cxn ang="0">
-                  <a:pos x="connsiteX4" y="connsiteY4"/>
-                </a:cxn>
-              </a:cxnLst>
-              <a:rect l="l" t="t" r="r" b="b"/>
-              <a:pathLst>
-                <a:path w="729276" h="140596">
-                  <a:moveTo>
-                    <a:pt x="0" y="0"/>
-                  </a:moveTo>
-                  <a:cubicBezTo>
-                    <a:pt x="52358" y="60305"/>
-                    <a:pt x="104716" y="120611"/>
-                    <a:pt x="168294" y="134635"/>
-                  </a:cubicBezTo>
-                  <a:cubicBezTo>
-                    <a:pt x="231872" y="148659"/>
-                    <a:pt x="313253" y="83221"/>
-                    <a:pt x="381467" y="84147"/>
-                  </a:cubicBezTo>
-                  <a:cubicBezTo>
-                    <a:pt x="449681" y="85073"/>
-                    <a:pt x="526757" y="146134"/>
-                    <a:pt x="577581" y="140189"/>
-                  </a:cubicBezTo>
-                  <a:cubicBezTo>
-                    <a:pt x="628405" y="134244"/>
-                    <a:pt x="673961" y="78792"/>
-                    <a:pt x="729276" y="5610"/>
-                  </a:cubicBezTo>
-                </a:path>
-              </a:pathLst>
-            </a:custGeom>
+        </p:nvCxnSpPr>
+        <p:spPr>
+          <a:xfrm>
+            <a:off x="2267744" y="692696"/>
+            <a:ext cx="0" cy="216024"/>
+          </a:xfrm>
+          <a:prstGeom prst="line">
+            <a:avLst/>
+          </a:prstGeom>
+          <a:noFill/>
+          <a:ln w="28575">
             <a:solidFill>
               <a:schemeClr val="accent5">
-                <a:lumMod val="20000"/>
-                <a:lumOff val="80000"/>
+                <a:lumMod val="50000"/>
               </a:schemeClr>
             </a:solidFill>
-            <a:ln w="12700">
+          </a:ln>
+        </p:spPr>
+        <p:style>
+          <a:lnRef idx="2">
+            <a:schemeClr val="accent1">
+              <a:shade val="50000"/>
+            </a:schemeClr>
+          </a:lnRef>
+          <a:fillRef idx="1">
+            <a:schemeClr val="accent1"/>
+          </a:fillRef>
+          <a:effectRef idx="0">
+            <a:schemeClr val="accent1"/>
+          </a:effectRef>
+          <a:fontRef idx="minor">
+            <a:schemeClr val="lt1"/>
+          </a:fontRef>
+        </p:style>
+      </p:cxnSp>
+      <p:cxnSp>
+        <p:nvCxnSpPr>
+          <p:cNvPr id="24" name="Connecteur droit 23"/>
+          <p:cNvCxnSpPr/>
+          <p:nvPr/>
+        </p:nvCxnSpPr>
+        <p:spPr>
+          <a:xfrm>
+            <a:off x="1979712" y="908720"/>
+            <a:ext cx="0" cy="360040"/>
+          </a:xfrm>
+          <a:prstGeom prst="line">
+            <a:avLst/>
+          </a:prstGeom>
+          <a:noFill/>
+          <a:ln w="28575">
+            <a:solidFill>
+              <a:srgbClr val="C00000"/>
+            </a:solidFill>
+          </a:ln>
+        </p:spPr>
+        <p:style>
+          <a:lnRef idx="2">
+            <a:schemeClr val="accent1">
+              <a:shade val="50000"/>
+            </a:schemeClr>
+          </a:lnRef>
+          <a:fillRef idx="1">
+            <a:schemeClr val="accent1"/>
+          </a:fillRef>
+          <a:effectRef idx="0">
+            <a:schemeClr val="accent1"/>
+          </a:effectRef>
+          <a:fontRef idx="minor">
+            <a:schemeClr val="lt1"/>
+          </a:fontRef>
+        </p:style>
+      </p:cxnSp>
+      <p:cxnSp>
+        <p:nvCxnSpPr>
+          <p:cNvPr id="26" name="Connecteur droit 25"/>
+          <p:cNvCxnSpPr/>
+          <p:nvPr/>
+        </p:nvCxnSpPr>
+        <p:spPr>
+          <a:xfrm>
+            <a:off x="1979712" y="332656"/>
+            <a:ext cx="0" cy="360040"/>
+          </a:xfrm>
+          <a:prstGeom prst="line">
+            <a:avLst/>
+          </a:prstGeom>
+          <a:noFill/>
+          <a:ln w="28575">
+            <a:solidFill>
+              <a:srgbClr val="C00000"/>
+            </a:solidFill>
+          </a:ln>
+        </p:spPr>
+        <p:style>
+          <a:lnRef idx="2">
+            <a:schemeClr val="accent1">
+              <a:shade val="50000"/>
+            </a:schemeClr>
+          </a:lnRef>
+          <a:fillRef idx="1">
+            <a:schemeClr val="accent1"/>
+          </a:fillRef>
+          <a:effectRef idx="0">
+            <a:schemeClr val="accent1"/>
+          </a:effectRef>
+          <a:fontRef idx="minor">
+            <a:schemeClr val="lt1"/>
+          </a:fontRef>
+        </p:style>
+      </p:cxnSp>
+      <p:cxnSp>
+        <p:nvCxnSpPr>
+          <p:cNvPr id="27" name="Connecteur droit 26"/>
+          <p:cNvCxnSpPr/>
+          <p:nvPr/>
+        </p:nvCxnSpPr>
+        <p:spPr>
+          <a:xfrm>
+            <a:off x="1592052" y="806586"/>
+            <a:ext cx="819708" cy="0"/>
+          </a:xfrm>
+          <a:prstGeom prst="line">
+            <a:avLst/>
+          </a:prstGeom>
+          <a:noFill/>
+          <a:ln w="28575">
+            <a:solidFill>
+              <a:schemeClr val="accent5">
+                <a:lumMod val="50000"/>
+              </a:schemeClr>
+            </a:solidFill>
+          </a:ln>
+        </p:spPr>
+        <p:style>
+          <a:lnRef idx="2">
+            <a:schemeClr val="accent1">
+              <a:shade val="50000"/>
+            </a:schemeClr>
+          </a:lnRef>
+          <a:fillRef idx="1">
+            <a:schemeClr val="accent1"/>
+          </a:fillRef>
+          <a:effectRef idx="0">
+            <a:schemeClr val="accent1"/>
+          </a:effectRef>
+          <a:fontRef idx="minor">
+            <a:schemeClr val="lt1"/>
+          </a:fontRef>
+        </p:style>
+      </p:cxnSp>
+      <p:cxnSp>
+        <p:nvCxnSpPr>
+          <p:cNvPr id="35" name="Connecteur droit 34"/>
+          <p:cNvCxnSpPr/>
+          <p:nvPr/>
+        </p:nvCxnSpPr>
+        <p:spPr>
+          <a:xfrm>
+            <a:off x="1895379" y="1268760"/>
+            <a:ext cx="168666" cy="0"/>
+          </a:xfrm>
+          <a:prstGeom prst="line">
+            <a:avLst/>
+          </a:prstGeom>
+          <a:noFill/>
+          <a:ln w="28575">
+            <a:solidFill>
+              <a:srgbClr val="7030A0"/>
+            </a:solidFill>
+          </a:ln>
+        </p:spPr>
+        <p:style>
+          <a:lnRef idx="2">
+            <a:schemeClr val="accent1">
+              <a:shade val="50000"/>
+            </a:schemeClr>
+          </a:lnRef>
+          <a:fillRef idx="1">
+            <a:schemeClr val="accent1"/>
+          </a:fillRef>
+          <a:effectRef idx="0">
+            <a:schemeClr val="accent1"/>
+          </a:effectRef>
+          <a:fontRef idx="minor">
+            <a:schemeClr val="lt1"/>
+          </a:fontRef>
+        </p:style>
+      </p:cxnSp>
+      <p:cxnSp>
+        <p:nvCxnSpPr>
+          <p:cNvPr id="36" name="Connecteur droit 35"/>
+          <p:cNvCxnSpPr/>
+          <p:nvPr/>
+        </p:nvCxnSpPr>
+        <p:spPr>
+          <a:xfrm>
+            <a:off x="1979712" y="188640"/>
+            <a:ext cx="0" cy="144016"/>
+          </a:xfrm>
+          <a:prstGeom prst="line">
+            <a:avLst/>
+          </a:prstGeom>
+          <a:noFill/>
+          <a:ln w="28575">
+            <a:solidFill>
+              <a:schemeClr val="tx1"/>
+            </a:solidFill>
+          </a:ln>
+        </p:spPr>
+        <p:style>
+          <a:lnRef idx="2">
+            <a:schemeClr val="accent1">
+              <a:shade val="50000"/>
+            </a:schemeClr>
+          </a:lnRef>
+          <a:fillRef idx="1">
+            <a:schemeClr val="accent1"/>
+          </a:fillRef>
+          <a:effectRef idx="0">
+            <a:schemeClr val="accent1"/>
+          </a:effectRef>
+          <a:fontRef idx="minor">
+            <a:schemeClr val="lt1"/>
+          </a:fontRef>
+        </p:style>
+      </p:cxnSp>
+      <p:cxnSp>
+        <p:nvCxnSpPr>
+          <p:cNvPr id="38" name="Connecteur droit 37"/>
+          <p:cNvCxnSpPr/>
+          <p:nvPr/>
+        </p:nvCxnSpPr>
+        <p:spPr>
+          <a:xfrm flipH="1">
+            <a:off x="1979712" y="188640"/>
+            <a:ext cx="1152128" cy="0"/>
+          </a:xfrm>
+          <a:prstGeom prst="line">
+            <a:avLst/>
+          </a:prstGeom>
+          <a:noFill/>
+          <a:ln w="28575">
+            <a:solidFill>
+              <a:schemeClr val="tx1"/>
+            </a:solidFill>
+          </a:ln>
+        </p:spPr>
+        <p:style>
+          <a:lnRef idx="2">
+            <a:schemeClr val="accent1">
+              <a:shade val="50000"/>
+            </a:schemeClr>
+          </a:lnRef>
+          <a:fillRef idx="1">
+            <a:schemeClr val="accent1"/>
+          </a:fillRef>
+          <a:effectRef idx="0">
+            <a:schemeClr val="accent1"/>
+          </a:effectRef>
+          <a:fontRef idx="minor">
+            <a:schemeClr val="lt1"/>
+          </a:fontRef>
+        </p:style>
+      </p:cxnSp>
+      <p:cxnSp>
+        <p:nvCxnSpPr>
+          <p:cNvPr id="41" name="Connecteur droit 40"/>
+          <p:cNvCxnSpPr>
+            <a:endCxn id="46" idx="0"/>
+          </p:cNvCxnSpPr>
+          <p:nvPr/>
+        </p:nvCxnSpPr>
+        <p:spPr>
+          <a:xfrm>
+            <a:off x="3131840" y="188640"/>
+            <a:ext cx="0" cy="1692188"/>
+          </a:xfrm>
+          <a:prstGeom prst="line">
+            <a:avLst/>
+          </a:prstGeom>
+          <a:noFill/>
+          <a:ln w="28575">
+            <a:solidFill>
+              <a:schemeClr val="tx1"/>
+            </a:solidFill>
+          </a:ln>
+        </p:spPr>
+        <p:style>
+          <a:lnRef idx="2">
+            <a:schemeClr val="accent1">
+              <a:shade val="50000"/>
+            </a:schemeClr>
+          </a:lnRef>
+          <a:fillRef idx="1">
+            <a:schemeClr val="accent1"/>
+          </a:fillRef>
+          <a:effectRef idx="0">
+            <a:schemeClr val="accent1"/>
+          </a:effectRef>
+          <a:fontRef idx="minor">
+            <a:schemeClr val="lt1"/>
+          </a:fontRef>
+        </p:style>
+      </p:cxnSp>
+      <p:cxnSp>
+        <p:nvCxnSpPr>
+          <p:cNvPr id="28" name="Connecteur droit 27"/>
+          <p:cNvCxnSpPr/>
+          <p:nvPr/>
+        </p:nvCxnSpPr>
+        <p:spPr>
+          <a:xfrm>
+            <a:off x="1895379" y="332656"/>
+            <a:ext cx="168666" cy="0"/>
+          </a:xfrm>
+          <a:prstGeom prst="line">
+            <a:avLst/>
+          </a:prstGeom>
+          <a:noFill/>
+          <a:ln w="28575">
+            <a:solidFill>
+              <a:srgbClr val="C00000"/>
+            </a:solidFill>
+          </a:ln>
+        </p:spPr>
+        <p:style>
+          <a:lnRef idx="2">
+            <a:schemeClr val="accent1">
+              <a:shade val="50000"/>
+            </a:schemeClr>
+          </a:lnRef>
+          <a:fillRef idx="1">
+            <a:schemeClr val="accent1"/>
+          </a:fillRef>
+          <a:effectRef idx="0">
+            <a:schemeClr val="accent1"/>
+          </a:effectRef>
+          <a:fontRef idx="minor">
+            <a:schemeClr val="lt1"/>
+          </a:fontRef>
+        </p:style>
+      </p:cxnSp>
+      <p:sp>
+        <p:nvSpPr>
+          <p:cNvPr id="46" name="Rectangle 45"/>
+          <p:cNvSpPr/>
+          <p:nvPr/>
+        </p:nvSpPr>
+        <p:spPr>
+          <a:xfrm>
+            <a:off x="2915816" y="1880828"/>
+            <a:ext cx="432048" cy="216024"/>
+          </a:xfrm>
+          <a:prstGeom prst="rect">
+            <a:avLst/>
+          </a:prstGeom>
+          <a:noFill/>
+          <a:ln w="28575">
+            <a:solidFill>
+              <a:schemeClr val="tx1"/>
+            </a:solidFill>
+          </a:ln>
+        </p:spPr>
+        <p:style>
+          <a:lnRef idx="2">
+            <a:schemeClr val="accent1">
+              <a:shade val="50000"/>
+            </a:schemeClr>
+          </a:lnRef>
+          <a:fillRef idx="1">
+            <a:schemeClr val="accent1"/>
+          </a:fillRef>
+          <a:effectRef idx="0">
+            <a:schemeClr val="accent1"/>
+          </a:effectRef>
+          <a:fontRef idx="minor">
+            <a:schemeClr val="lt1"/>
+          </a:fontRef>
+        </p:style>
+        <p:txBody>
+          <a:bodyPr rtlCol="0" anchor="ctr"/>
+          <a:lstStyle/>
+          <a:p>
+            <a:pPr algn="ctr"/>
+            <a:endParaRPr lang="fr-FR"/>
+          </a:p>
+        </p:txBody>
+      </p:sp>
+      <p:cxnSp>
+        <p:nvCxnSpPr>
+          <p:cNvPr id="48" name="Connecteur droit 47"/>
+          <p:cNvCxnSpPr/>
+          <p:nvPr/>
+        </p:nvCxnSpPr>
+        <p:spPr>
+          <a:xfrm>
+            <a:off x="3131840" y="2096852"/>
+            <a:ext cx="0" cy="1692188"/>
+          </a:xfrm>
+          <a:prstGeom prst="line">
+            <a:avLst/>
+          </a:prstGeom>
+          <a:noFill/>
+          <a:ln w="28575">
+            <a:solidFill>
+              <a:schemeClr val="tx1"/>
+            </a:solidFill>
+          </a:ln>
+        </p:spPr>
+        <p:style>
+          <a:lnRef idx="2">
+            <a:schemeClr val="accent1">
+              <a:shade val="50000"/>
+            </a:schemeClr>
+          </a:lnRef>
+          <a:fillRef idx="1">
+            <a:schemeClr val="accent1"/>
+          </a:fillRef>
+          <a:effectRef idx="0">
+            <a:schemeClr val="accent1"/>
+          </a:effectRef>
+          <a:fontRef idx="minor">
+            <a:schemeClr val="lt1"/>
+          </a:fontRef>
+        </p:style>
+      </p:cxnSp>
+      <p:cxnSp>
+        <p:nvCxnSpPr>
+          <p:cNvPr id="49" name="Connecteur droit 48"/>
+          <p:cNvCxnSpPr/>
+          <p:nvPr/>
+        </p:nvCxnSpPr>
+        <p:spPr>
+          <a:xfrm>
+            <a:off x="1979712" y="3637218"/>
+            <a:ext cx="0" cy="144016"/>
+          </a:xfrm>
+          <a:prstGeom prst="line">
+            <a:avLst/>
+          </a:prstGeom>
+          <a:noFill/>
+          <a:ln w="28575">
+            <a:solidFill>
+              <a:schemeClr val="tx1"/>
+            </a:solidFill>
+          </a:ln>
+        </p:spPr>
+        <p:style>
+          <a:lnRef idx="2">
+            <a:schemeClr val="accent1">
+              <a:shade val="50000"/>
+            </a:schemeClr>
+          </a:lnRef>
+          <a:fillRef idx="1">
+            <a:schemeClr val="accent1"/>
+          </a:fillRef>
+          <a:effectRef idx="0">
+            <a:schemeClr val="accent1"/>
+          </a:effectRef>
+          <a:fontRef idx="minor">
+            <a:schemeClr val="lt1"/>
+          </a:fontRef>
+        </p:style>
+      </p:cxnSp>
+      <p:cxnSp>
+        <p:nvCxnSpPr>
+          <p:cNvPr id="50" name="Connecteur droit 49"/>
+          <p:cNvCxnSpPr/>
+          <p:nvPr/>
+        </p:nvCxnSpPr>
+        <p:spPr>
+          <a:xfrm flipH="1">
+            <a:off x="1288206" y="3781234"/>
+            <a:ext cx="1843634" cy="0"/>
+          </a:xfrm>
+          <a:prstGeom prst="line">
+            <a:avLst/>
+          </a:prstGeom>
+          <a:noFill/>
+          <a:ln w="28575">
+            <a:solidFill>
+              <a:schemeClr val="tx1"/>
+            </a:solidFill>
+          </a:ln>
+        </p:spPr>
+        <p:style>
+          <a:lnRef idx="2">
+            <a:schemeClr val="accent1">
+              <a:shade val="50000"/>
+            </a:schemeClr>
+          </a:lnRef>
+          <a:fillRef idx="1">
+            <a:schemeClr val="accent1"/>
+          </a:fillRef>
+          <a:effectRef idx="0">
+            <a:schemeClr val="accent1"/>
+          </a:effectRef>
+          <a:fontRef idx="minor">
+            <a:schemeClr val="lt1"/>
+          </a:fontRef>
+        </p:style>
+      </p:cxnSp>
+      <p:cxnSp>
+        <p:nvCxnSpPr>
+          <p:cNvPr id="51" name="Connecteur droit 50"/>
+          <p:cNvCxnSpPr/>
+          <p:nvPr/>
+        </p:nvCxnSpPr>
+        <p:spPr>
+          <a:xfrm>
+            <a:off x="1895379" y="3637218"/>
+            <a:ext cx="168666" cy="0"/>
+          </a:xfrm>
+          <a:prstGeom prst="line">
+            <a:avLst/>
+          </a:prstGeom>
+          <a:noFill/>
+          <a:ln w="28575">
+            <a:solidFill>
+              <a:schemeClr val="tx1"/>
+            </a:solidFill>
+          </a:ln>
+        </p:spPr>
+        <p:style>
+          <a:lnRef idx="2">
+            <a:schemeClr val="accent1">
+              <a:shade val="50000"/>
+            </a:schemeClr>
+          </a:lnRef>
+          <a:fillRef idx="1">
+            <a:schemeClr val="accent1"/>
+          </a:fillRef>
+          <a:effectRef idx="0">
+            <a:schemeClr val="accent1"/>
+          </a:effectRef>
+          <a:fontRef idx="minor">
+            <a:schemeClr val="lt1"/>
+          </a:fontRef>
+        </p:style>
+      </p:cxnSp>
+      <p:cxnSp>
+        <p:nvCxnSpPr>
+          <p:cNvPr id="52" name="Connecteur droit 51"/>
+          <p:cNvCxnSpPr/>
+          <p:nvPr/>
+        </p:nvCxnSpPr>
+        <p:spPr>
+          <a:xfrm>
+            <a:off x="1895379" y="2702982"/>
+            <a:ext cx="168666" cy="0"/>
+          </a:xfrm>
+          <a:prstGeom prst="line">
+            <a:avLst/>
+          </a:prstGeom>
+          <a:noFill/>
+          <a:ln w="28575">
+            <a:solidFill>
+              <a:srgbClr val="7030A0"/>
+            </a:solidFill>
+          </a:ln>
+        </p:spPr>
+        <p:style>
+          <a:lnRef idx="2">
+            <a:schemeClr val="accent1">
+              <a:shade val="50000"/>
+            </a:schemeClr>
+          </a:lnRef>
+          <a:fillRef idx="1">
+            <a:schemeClr val="accent1"/>
+          </a:fillRef>
+          <a:effectRef idx="0">
+            <a:schemeClr val="accent1"/>
+          </a:effectRef>
+          <a:fontRef idx="minor">
+            <a:schemeClr val="lt1"/>
+          </a:fontRef>
+        </p:style>
+      </p:cxnSp>
+      <p:cxnSp>
+        <p:nvCxnSpPr>
+          <p:cNvPr id="54" name="Connecteur droit 53"/>
+          <p:cNvCxnSpPr/>
+          <p:nvPr/>
+        </p:nvCxnSpPr>
+        <p:spPr>
+          <a:xfrm>
+            <a:off x="2845845" y="1874950"/>
+            <a:ext cx="0" cy="216024"/>
+          </a:xfrm>
+          <a:prstGeom prst="line">
+            <a:avLst/>
+          </a:prstGeom>
+          <a:noFill/>
+          <a:ln w="28575">
+            <a:solidFill>
+              <a:schemeClr val="accent5">
+                <a:lumMod val="50000"/>
+              </a:schemeClr>
+            </a:solidFill>
+          </a:ln>
+        </p:spPr>
+        <p:style>
+          <a:lnRef idx="2">
+            <a:schemeClr val="accent1">
+              <a:shade val="50000"/>
+            </a:schemeClr>
+          </a:lnRef>
+          <a:fillRef idx="1">
+            <a:schemeClr val="accent1"/>
+          </a:fillRef>
+          <a:effectRef idx="0">
+            <a:schemeClr val="accent1"/>
+          </a:effectRef>
+          <a:fontRef idx="minor">
+            <a:schemeClr val="lt1"/>
+          </a:fontRef>
+        </p:style>
+      </p:cxnSp>
+      <p:cxnSp>
+        <p:nvCxnSpPr>
+          <p:cNvPr id="55" name="Connecteur droit 54"/>
+          <p:cNvCxnSpPr/>
+          <p:nvPr/>
+        </p:nvCxnSpPr>
+        <p:spPr>
+          <a:xfrm>
+            <a:off x="3421909" y="1874950"/>
+            <a:ext cx="0" cy="216024"/>
+          </a:xfrm>
+          <a:prstGeom prst="line">
+            <a:avLst/>
+          </a:prstGeom>
+          <a:noFill/>
+          <a:ln w="28575">
+            <a:solidFill>
+              <a:schemeClr val="accent5">
+                <a:lumMod val="50000"/>
+              </a:schemeClr>
+            </a:solidFill>
+          </a:ln>
+        </p:spPr>
+        <p:style>
+          <a:lnRef idx="2">
+            <a:schemeClr val="accent1">
+              <a:shade val="50000"/>
+            </a:schemeClr>
+          </a:lnRef>
+          <a:fillRef idx="1">
+            <a:schemeClr val="accent1"/>
+          </a:fillRef>
+          <a:effectRef idx="0">
+            <a:schemeClr val="accent1"/>
+          </a:effectRef>
+          <a:fontRef idx="minor">
+            <a:schemeClr val="lt1"/>
+          </a:fontRef>
+        </p:style>
+      </p:cxnSp>
+      <p:cxnSp>
+        <p:nvCxnSpPr>
+          <p:cNvPr id="56" name="Connecteur droit 55"/>
+          <p:cNvCxnSpPr/>
+          <p:nvPr/>
+        </p:nvCxnSpPr>
+        <p:spPr>
+          <a:xfrm>
+            <a:off x="2411760" y="1982962"/>
+            <a:ext cx="1154165" cy="0"/>
+          </a:xfrm>
+          <a:prstGeom prst="line">
+            <a:avLst/>
+          </a:prstGeom>
+          <a:noFill/>
+          <a:ln w="28575">
+            <a:solidFill>
+              <a:schemeClr val="accent5">
+                <a:lumMod val="50000"/>
+              </a:schemeClr>
+            </a:solidFill>
+          </a:ln>
+        </p:spPr>
+        <p:style>
+          <a:lnRef idx="2">
+            <a:schemeClr val="accent1">
+              <a:shade val="50000"/>
+            </a:schemeClr>
+          </a:lnRef>
+          <a:fillRef idx="1">
+            <a:schemeClr val="accent1"/>
+          </a:fillRef>
+          <a:effectRef idx="0">
+            <a:schemeClr val="accent1"/>
+          </a:effectRef>
+          <a:fontRef idx="minor">
+            <a:schemeClr val="lt1"/>
+          </a:fontRef>
+        </p:style>
+      </p:cxnSp>
+      <p:cxnSp>
+        <p:nvCxnSpPr>
+          <p:cNvPr id="57" name="Connecteur droit 56"/>
+          <p:cNvCxnSpPr/>
+          <p:nvPr/>
+        </p:nvCxnSpPr>
+        <p:spPr>
+          <a:xfrm>
+            <a:off x="2400551" y="800708"/>
+            <a:ext cx="0" cy="1188132"/>
+          </a:xfrm>
+          <a:prstGeom prst="line">
+            <a:avLst/>
+          </a:prstGeom>
+          <a:noFill/>
+          <a:ln w="28575">
+            <a:solidFill>
+              <a:schemeClr val="accent5">
+                <a:lumMod val="50000"/>
+              </a:schemeClr>
+            </a:solidFill>
+          </a:ln>
+        </p:spPr>
+        <p:style>
+          <a:lnRef idx="2">
+            <a:schemeClr val="accent1">
+              <a:shade val="50000"/>
+            </a:schemeClr>
+          </a:lnRef>
+          <a:fillRef idx="1">
+            <a:schemeClr val="accent1"/>
+          </a:fillRef>
+          <a:effectRef idx="0">
+            <a:schemeClr val="accent1"/>
+          </a:effectRef>
+          <a:fontRef idx="minor">
+            <a:schemeClr val="lt1"/>
+          </a:fontRef>
+        </p:style>
+      </p:cxnSp>
+      <p:cxnSp>
+        <p:nvCxnSpPr>
+          <p:cNvPr id="60" name="Connecteur droit 59"/>
+          <p:cNvCxnSpPr/>
+          <p:nvPr/>
+        </p:nvCxnSpPr>
+        <p:spPr>
+          <a:xfrm>
+            <a:off x="3851920" y="1982962"/>
+            <a:ext cx="720080" cy="0"/>
+          </a:xfrm>
+          <a:prstGeom prst="line">
+            <a:avLst/>
+          </a:prstGeom>
+          <a:noFill/>
+          <a:ln w="28575">
+            <a:solidFill>
+              <a:schemeClr val="tx1"/>
+            </a:solidFill>
+            <a:tailEnd type="stealth" w="med" len="lg"/>
+          </a:ln>
+        </p:spPr>
+        <p:style>
+          <a:lnRef idx="2">
+            <a:schemeClr val="accent1">
+              <a:shade val="50000"/>
+            </a:schemeClr>
+          </a:lnRef>
+          <a:fillRef idx="1">
+            <a:schemeClr val="accent1"/>
+          </a:fillRef>
+          <a:effectRef idx="0">
+            <a:schemeClr val="accent1"/>
+          </a:effectRef>
+          <a:fontRef idx="minor">
+            <a:schemeClr val="lt1"/>
+          </a:fontRef>
+        </p:style>
+      </p:cxnSp>
+      <p:cxnSp>
+        <p:nvCxnSpPr>
+          <p:cNvPr id="63" name="Connecteur droit 62"/>
+          <p:cNvCxnSpPr/>
+          <p:nvPr/>
+        </p:nvCxnSpPr>
+        <p:spPr>
+          <a:xfrm rot="16200000">
+            <a:off x="3491880" y="1628800"/>
+            <a:ext cx="720080" cy="0"/>
+          </a:xfrm>
+          <a:prstGeom prst="line">
+            <a:avLst/>
+          </a:prstGeom>
+          <a:noFill/>
+          <a:ln w="28575">
+            <a:solidFill>
+              <a:schemeClr val="tx1"/>
+            </a:solidFill>
+            <a:tailEnd type="stealth" w="med" len="lg"/>
+          </a:ln>
+        </p:spPr>
+        <p:style>
+          <a:lnRef idx="2">
+            <a:schemeClr val="accent1">
+              <a:shade val="50000"/>
+            </a:schemeClr>
+          </a:lnRef>
+          <a:fillRef idx="1">
+            <a:schemeClr val="accent1"/>
+          </a:fillRef>
+          <a:effectRef idx="0">
+            <a:schemeClr val="accent1"/>
+          </a:effectRef>
+          <a:fontRef idx="minor">
+            <a:schemeClr val="lt1"/>
+          </a:fontRef>
+        </p:style>
+      </p:cxnSp>
+      <mc:AlternateContent xmlns:mc="http://schemas.openxmlformats.org/markup-compatibility/2006" xmlns:a14="http://schemas.microsoft.com/office/drawing/2010/main">
+        <mc:Choice Requires="a14">
+          <p:sp>
+            <p:nvSpPr>
+              <p:cNvPr id="64" name="ZoneTexte 63"/>
+              <p:cNvSpPr txBox="1"/>
+              <p:nvPr/>
+            </p:nvSpPr>
+            <p:spPr>
+              <a:xfrm>
+                <a:off x="4309357" y="1705963"/>
+                <a:ext cx="362022" cy="276999"/>
+              </a:xfrm>
+              <a:prstGeom prst="rect">
+                <a:avLst/>
+              </a:prstGeom>
+              <a:noFill/>
+            </p:spPr>
+            <p:txBody>
+              <a:bodyPr wrap="none" rtlCol="0">
+                <a:spAutoFit/>
+              </a:bodyPr>
+              <a:lstStyle/>
+              <a:p>
+                <a:pPr/>
+                <a14:m>
+                  <m:oMathPara xmlns:m="http://schemas.openxmlformats.org/officeDocument/2006/math">
+                    <m:oMathParaPr>
+                      <m:jc m:val="centerGroup"/>
+                    </m:oMathParaPr>
+                    <m:oMath xmlns:m="http://schemas.openxmlformats.org/officeDocument/2006/math">
+                      <m:acc>
+                        <m:accPr>
+                          <m:chr m:val="⃗"/>
+                          <m:ctrlPr>
+                            <a:rPr lang="fr-FR" sz="1200" i="1" smtClean="0">
+                              <a:latin typeface="Cambria Math"/>
+                            </a:rPr>
+                          </m:ctrlPr>
+                        </m:accPr>
+                        <m:e>
+                          <m:sSub>
+                            <m:sSubPr>
+                              <m:ctrlPr>
+                                <a:rPr lang="fr-FR" sz="1200" b="0" i="1" smtClean="0">
+                                  <a:latin typeface="Cambria Math"/>
+                                </a:rPr>
+                              </m:ctrlPr>
+                            </m:sSubPr>
+                            <m:e>
+                              <m:r>
+                                <a:rPr lang="fr-FR" sz="1200" b="0" i="1" smtClean="0">
+                                  <a:latin typeface="Cambria Math"/>
+                                </a:rPr>
+                                <m:t>𝑧</m:t>
+                              </m:r>
+                            </m:e>
+                            <m:sub>
+                              <m:r>
+                                <a:rPr lang="fr-FR" sz="1200" b="0" i="1" smtClean="0">
+                                  <a:latin typeface="Cambria Math"/>
+                                </a:rPr>
+                                <m:t>0</m:t>
+                              </m:r>
+                            </m:sub>
+                          </m:sSub>
+                        </m:e>
+                      </m:acc>
+                    </m:oMath>
+                  </m:oMathPara>
+                </a14:m>
+                <a:endParaRPr lang="fr-FR" sz="1200" dirty="0"/>
+              </a:p>
+            </p:txBody>
+          </p:sp>
+        </mc:Choice>
+        <mc:Fallback xmlns="">
+          <p:sp>
+            <p:nvSpPr>
+              <p:cNvPr id="64" name="ZoneTexte 63"/>
+              <p:cNvSpPr txBox="1">
+                <a:spLocks noRot="1" noChangeAspect="1" noMove="1" noResize="1" noEditPoints="1" noAdjustHandles="1" noChangeArrowheads="1" noChangeShapeType="1" noTextEdit="1"/>
+              </p:cNvSpPr>
+              <p:nvPr/>
+            </p:nvSpPr>
+            <p:spPr>
+              <a:xfrm>
+                <a:off x="4309357" y="1705963"/>
+                <a:ext cx="362022" cy="276999"/>
+              </a:xfrm>
+              <a:prstGeom prst="rect">
+                <a:avLst/>
+              </a:prstGeom>
+              <a:blipFill rotWithShape="1">
+                <a:blip r:embed="rId2"/>
+                <a:stretch>
+                  <a:fillRect/>
+                </a:stretch>
+              </a:blipFill>
+            </p:spPr>
+            <p:txBody>
+              <a:bodyPr/>
+              <a:lstStyle/>
+              <a:p>
+                <a:r>
+                  <a:rPr lang="fr-FR">
+                    <a:noFill/>
+                  </a:rPr>
+                  <a:t> </a:t>
+                </a:r>
+              </a:p>
+            </p:txBody>
+          </p:sp>
+        </mc:Fallback>
+      </mc:AlternateContent>
+      <mc:AlternateContent xmlns:mc="http://schemas.openxmlformats.org/markup-compatibility/2006" xmlns:a14="http://schemas.microsoft.com/office/drawing/2010/main">
+        <mc:Choice Requires="a14">
+          <p:sp>
+            <p:nvSpPr>
+              <p:cNvPr id="65" name="ZoneTexte 64"/>
+              <p:cNvSpPr txBox="1"/>
+              <p:nvPr/>
+            </p:nvSpPr>
+            <p:spPr>
+              <a:xfrm>
+                <a:off x="3779912" y="1130260"/>
+                <a:ext cx="372346" cy="276999"/>
+              </a:xfrm>
+              <a:prstGeom prst="rect">
+                <a:avLst/>
+              </a:prstGeom>
+              <a:noFill/>
+            </p:spPr>
+            <p:txBody>
+              <a:bodyPr wrap="none" rtlCol="0">
+                <a:spAutoFit/>
+              </a:bodyPr>
+              <a:lstStyle/>
+              <a:p>
+                <a:pPr/>
+                <a14:m>
+                  <m:oMathPara xmlns:m="http://schemas.openxmlformats.org/officeDocument/2006/math">
+                    <m:oMathParaPr>
+                      <m:jc m:val="centerGroup"/>
+                    </m:oMathParaPr>
+                    <m:oMath xmlns:m="http://schemas.openxmlformats.org/officeDocument/2006/math">
+                      <m:acc>
+                        <m:accPr>
+                          <m:chr m:val="⃗"/>
+                          <m:ctrlPr>
+                            <a:rPr lang="fr-FR" sz="1200" i="1" smtClean="0">
+                              <a:latin typeface="Cambria Math"/>
+                            </a:rPr>
+                          </m:ctrlPr>
+                        </m:accPr>
+                        <m:e>
+                          <m:sSub>
+                            <m:sSubPr>
+                              <m:ctrlPr>
+                                <a:rPr lang="fr-FR" sz="1200" b="0" i="1" smtClean="0">
+                                  <a:latin typeface="Cambria Math"/>
+                                </a:rPr>
+                              </m:ctrlPr>
+                            </m:sSubPr>
+                            <m:e>
+                              <m:r>
+                                <a:rPr lang="fr-FR" sz="1200" b="0" i="1" smtClean="0">
+                                  <a:latin typeface="Cambria Math"/>
+                                </a:rPr>
+                                <m:t>𝑥</m:t>
+                              </m:r>
+                            </m:e>
+                            <m:sub>
+                              <m:r>
+                                <a:rPr lang="fr-FR" sz="1200" b="0" i="1" smtClean="0">
+                                  <a:latin typeface="Cambria Math"/>
+                                </a:rPr>
+                                <m:t>0</m:t>
+                              </m:r>
+                            </m:sub>
+                          </m:sSub>
+                        </m:e>
+                      </m:acc>
+                    </m:oMath>
+                  </m:oMathPara>
+                </a14:m>
+                <a:endParaRPr lang="fr-FR" sz="1200" dirty="0"/>
+              </a:p>
+            </p:txBody>
+          </p:sp>
+        </mc:Choice>
+        <mc:Fallback xmlns="">
+          <p:sp>
+            <p:nvSpPr>
+              <p:cNvPr id="65" name="ZoneTexte 64"/>
+              <p:cNvSpPr txBox="1">
+                <a:spLocks noRot="1" noChangeAspect="1" noMove="1" noResize="1" noEditPoints="1" noAdjustHandles="1" noChangeArrowheads="1" noChangeShapeType="1" noTextEdit="1"/>
+              </p:cNvSpPr>
+              <p:nvPr/>
+            </p:nvSpPr>
+            <p:spPr>
+              <a:xfrm>
+                <a:off x="3779912" y="1130260"/>
+                <a:ext cx="372346" cy="276999"/>
+              </a:xfrm>
+              <a:prstGeom prst="rect">
+                <a:avLst/>
+              </a:prstGeom>
+              <a:blipFill rotWithShape="1">
+                <a:blip r:embed="rId3"/>
+                <a:stretch>
+                  <a:fillRect/>
+                </a:stretch>
+              </a:blipFill>
+            </p:spPr>
+            <p:txBody>
+              <a:bodyPr/>
+              <a:lstStyle/>
+              <a:p>
+                <a:r>
+                  <a:rPr lang="fr-FR">
+                    <a:noFill/>
+                  </a:rPr>
+                  <a:t> </a:t>
+                </a:r>
+              </a:p>
+            </p:txBody>
+          </p:sp>
+        </mc:Fallback>
+      </mc:AlternateContent>
+      <p:sp>
+        <p:nvSpPr>
+          <p:cNvPr id="66" name="Ellipse 65"/>
+          <p:cNvSpPr/>
+          <p:nvPr/>
+        </p:nvSpPr>
+        <p:spPr>
+          <a:xfrm>
+            <a:off x="1666176" y="1680136"/>
+            <a:ext cx="276999" cy="276999"/>
+          </a:xfrm>
+          <a:prstGeom prst="ellipse">
+            <a:avLst/>
+          </a:prstGeom>
+          <a:noFill/>
+          <a:ln w="28575">
+            <a:solidFill>
+              <a:srgbClr val="7030A0"/>
+            </a:solidFill>
+          </a:ln>
+        </p:spPr>
+        <p:style>
+          <a:lnRef idx="2">
+            <a:schemeClr val="accent1">
+              <a:shade val="50000"/>
+            </a:schemeClr>
+          </a:lnRef>
+          <a:fillRef idx="1">
+            <a:schemeClr val="accent1"/>
+          </a:fillRef>
+          <a:effectRef idx="0">
+            <a:schemeClr val="accent1"/>
+          </a:effectRef>
+          <a:fontRef idx="minor">
+            <a:schemeClr val="lt1"/>
+          </a:fontRef>
+        </p:style>
+        <p:txBody>
+          <a:bodyPr lIns="0" tIns="0" rIns="0" bIns="0" rtlCol="0" anchor="ctr"/>
+          <a:lstStyle/>
+          <a:p>
+            <a:pPr algn="ctr"/>
+            <a:r>
+              <a:rPr lang="fr-FR" sz="1400" dirty="0" smtClean="0">
+                <a:ln>
+                  <a:solidFill>
+                    <a:srgbClr val="7030A0"/>
+                  </a:solidFill>
+                </a:ln>
+                <a:solidFill>
+                  <a:srgbClr val="7030A0"/>
+                </a:solidFill>
+              </a:rPr>
+              <a:t>1</a:t>
+            </a:r>
+            <a:endParaRPr lang="fr-FR" sz="1400" dirty="0">
+              <a:ln>
+                <a:solidFill>
+                  <a:srgbClr val="7030A0"/>
+                </a:solidFill>
+              </a:ln>
+              <a:solidFill>
+                <a:srgbClr val="7030A0"/>
+              </a:solidFill>
+            </a:endParaRPr>
+          </a:p>
+        </p:txBody>
+      </p:sp>
+      <p:sp>
+        <p:nvSpPr>
+          <p:cNvPr id="67" name="Ellipse 66"/>
+          <p:cNvSpPr/>
+          <p:nvPr/>
+        </p:nvSpPr>
+        <p:spPr>
+          <a:xfrm>
+            <a:off x="2057236" y="374176"/>
+            <a:ext cx="276999" cy="276999"/>
+          </a:xfrm>
+          <a:prstGeom prst="ellipse">
+            <a:avLst/>
+          </a:prstGeom>
+          <a:noFill/>
+          <a:ln w="28575">
+            <a:solidFill>
+              <a:srgbClr val="C00000"/>
+            </a:solidFill>
+          </a:ln>
+        </p:spPr>
+        <p:style>
+          <a:lnRef idx="2">
+            <a:schemeClr val="accent1">
+              <a:shade val="50000"/>
+            </a:schemeClr>
+          </a:lnRef>
+          <a:fillRef idx="1">
+            <a:schemeClr val="accent1"/>
+          </a:fillRef>
+          <a:effectRef idx="0">
+            <a:schemeClr val="accent1"/>
+          </a:effectRef>
+          <a:fontRef idx="minor">
+            <a:schemeClr val="lt1"/>
+          </a:fontRef>
+        </p:style>
+        <p:txBody>
+          <a:bodyPr lIns="0" tIns="0" rIns="0" bIns="0" rtlCol="0" anchor="ctr"/>
+          <a:lstStyle/>
+          <a:p>
+            <a:pPr algn="ctr"/>
+            <a:r>
+              <a:rPr lang="fr-FR" sz="1400" dirty="0" smtClean="0">
+                <a:ln>
+                  <a:solidFill>
+                    <a:srgbClr val="C00000"/>
+                  </a:solidFill>
+                </a:ln>
+                <a:solidFill>
+                  <a:srgbClr val="C00000"/>
+                </a:solidFill>
+              </a:rPr>
+              <a:t>2</a:t>
+            </a:r>
+            <a:endParaRPr lang="fr-FR" sz="1400" dirty="0">
+              <a:ln>
+                <a:solidFill>
+                  <a:srgbClr val="C00000"/>
+                </a:solidFill>
+              </a:ln>
+              <a:solidFill>
+                <a:srgbClr val="C00000"/>
+              </a:solidFill>
+            </a:endParaRPr>
+          </a:p>
+        </p:txBody>
+      </p:sp>
+      <p:sp>
+        <p:nvSpPr>
+          <p:cNvPr id="68" name="Ellipse 67"/>
+          <p:cNvSpPr/>
+          <p:nvPr/>
+        </p:nvSpPr>
+        <p:spPr>
+          <a:xfrm>
+            <a:off x="2434691" y="1668296"/>
+            <a:ext cx="276999" cy="276999"/>
+          </a:xfrm>
+          <a:prstGeom prst="ellipse">
+            <a:avLst/>
+          </a:prstGeom>
+          <a:noFill/>
+          <a:ln w="28575">
+            <a:solidFill>
+              <a:schemeClr val="accent5">
+                <a:lumMod val="50000"/>
+              </a:schemeClr>
+            </a:solidFill>
+          </a:ln>
+        </p:spPr>
+        <p:style>
+          <a:lnRef idx="2">
+            <a:schemeClr val="accent1">
+              <a:shade val="50000"/>
+            </a:schemeClr>
+          </a:lnRef>
+          <a:fillRef idx="1">
+            <a:schemeClr val="accent1"/>
+          </a:fillRef>
+          <a:effectRef idx="0">
+            <a:schemeClr val="accent1"/>
+          </a:effectRef>
+          <a:fontRef idx="minor">
+            <a:schemeClr val="lt1"/>
+          </a:fontRef>
+        </p:style>
+        <p:txBody>
+          <a:bodyPr lIns="0" tIns="0" rIns="0" bIns="0" rtlCol="0" anchor="ctr"/>
+          <a:lstStyle/>
+          <a:p>
+            <a:pPr algn="ctr"/>
+            <a:r>
+              <a:rPr lang="fr-FR" sz="1400" dirty="0">
+                <a:ln>
+                  <a:solidFill>
+                    <a:schemeClr val="accent5">
+                      <a:lumMod val="50000"/>
+                    </a:schemeClr>
+                  </a:solidFill>
+                </a:ln>
+                <a:solidFill>
+                  <a:schemeClr val="accent5">
+                    <a:lumMod val="50000"/>
+                  </a:schemeClr>
+                </a:solidFill>
+              </a:rPr>
+              <a:t>3</a:t>
+            </a:r>
+            <a:endParaRPr lang="fr-FR" sz="1400" dirty="0">
+              <a:ln>
+                <a:solidFill>
+                  <a:schemeClr val="accent5">
+                    <a:lumMod val="50000"/>
+                  </a:schemeClr>
+                </a:solidFill>
+              </a:ln>
               <a:solidFill>
                 <a:schemeClr val="accent5">
                   <a:lumMod val="50000"/>
                 </a:schemeClr>
               </a:solidFill>
-            </a:ln>
-          </p:spPr>
-          <p:style>
-            <a:lnRef idx="1">
-              <a:schemeClr val="accent1"/>
-            </a:lnRef>
-            <a:fillRef idx="0">
-              <a:schemeClr val="accent1"/>
-            </a:fillRef>
-            <a:effectRef idx="0">
-              <a:schemeClr val="accent1"/>
-            </a:effectRef>
-            <a:fontRef idx="minor">
-              <a:schemeClr val="tx1"/>
-            </a:fontRef>
-          </p:style>
-          <p:txBody>
-            <a:bodyPr rtlCol="0" anchor="ctr"/>
-            <a:lstStyle/>
-            <a:p>
-              <a:pPr algn="ctr"/>
-              <a:endParaRPr lang="fr-FR"/>
-            </a:p>
-          </p:txBody>
-        </p:sp>
-        <p:cxnSp>
-          <p:nvCxnSpPr>
-            <p:cNvPr id="13" name="Connecteur droit 12"/>
-            <p:cNvCxnSpPr>
-              <a:stCxn id="11" idx="0"/>
-            </p:cNvCxnSpPr>
-            <p:nvPr/>
-          </p:nvCxnSpPr>
-          <p:spPr>
-            <a:xfrm>
-              <a:off x="607650" y="1421160"/>
-              <a:ext cx="729276" cy="0"/>
-            </a:xfrm>
-            <a:prstGeom prst="line">
-              <a:avLst/>
-            </a:prstGeom>
-            <a:ln w="12700">
-              <a:solidFill>
-                <a:schemeClr val="accent5">
-                  <a:lumMod val="50000"/>
-                </a:schemeClr>
-              </a:solidFill>
-            </a:ln>
-          </p:spPr>
-          <p:style>
-            <a:lnRef idx="1">
-              <a:schemeClr val="accent1"/>
-            </a:lnRef>
-            <a:fillRef idx="0">
-              <a:schemeClr val="accent1"/>
-            </a:fillRef>
-            <a:effectRef idx="0">
-              <a:schemeClr val="accent1"/>
-            </a:effectRef>
-            <a:fontRef idx="minor">
-              <a:schemeClr val="tx1"/>
-            </a:fontRef>
-          </p:style>
-        </p:cxnSp>
-      </p:grpSp>
-      <p:sp>
-        <p:nvSpPr>
-          <p:cNvPr id="14" name="Forme libre 13"/>
+            </a:endParaRPr>
+          </a:p>
+        </p:txBody>
+      </p:sp>
+      <p:cxnSp>
+        <p:nvCxnSpPr>
+          <p:cNvPr id="69" name="Connecteur droit 68"/>
+          <p:cNvCxnSpPr/>
+          <p:nvPr/>
+        </p:nvCxnSpPr>
+        <p:spPr>
+          <a:xfrm rot="16200000">
+            <a:off x="2040511" y="908720"/>
+            <a:ext cx="720080" cy="0"/>
+          </a:xfrm>
+          <a:prstGeom prst="line">
+            <a:avLst/>
+          </a:prstGeom>
+          <a:noFill/>
+          <a:ln w="28575">
+            <a:solidFill>
+              <a:schemeClr val="accent5">
+                <a:lumMod val="50000"/>
+              </a:schemeClr>
+            </a:solidFill>
+            <a:tailEnd type="stealth" w="med" len="lg"/>
+          </a:ln>
+        </p:spPr>
+        <p:style>
+          <a:lnRef idx="2">
+            <a:schemeClr val="accent1">
+              <a:shade val="50000"/>
+            </a:schemeClr>
+          </a:lnRef>
+          <a:fillRef idx="1">
+            <a:schemeClr val="accent1"/>
+          </a:fillRef>
+          <a:effectRef idx="0">
+            <a:schemeClr val="accent1"/>
+          </a:effectRef>
+          <a:fontRef idx="minor">
+            <a:schemeClr val="lt1"/>
+          </a:fontRef>
+        </p:style>
+      </p:cxnSp>
+      <mc:AlternateContent xmlns:mc="http://schemas.openxmlformats.org/markup-compatibility/2006" xmlns:a14="http://schemas.microsoft.com/office/drawing/2010/main">
+        <mc:Choice Requires="a14">
+          <p:sp>
+            <p:nvSpPr>
+              <p:cNvPr id="70" name="ZoneTexte 69"/>
+              <p:cNvSpPr txBox="1"/>
+              <p:nvPr/>
+            </p:nvSpPr>
+            <p:spPr>
+              <a:xfrm>
+                <a:off x="2434691" y="662208"/>
+                <a:ext cx="372345" cy="276999"/>
+              </a:xfrm>
+              <a:prstGeom prst="rect">
+                <a:avLst/>
+              </a:prstGeom>
+              <a:noFill/>
+            </p:spPr>
+            <p:txBody>
+              <a:bodyPr wrap="none" rtlCol="0">
+                <a:spAutoFit/>
+              </a:bodyPr>
+              <a:lstStyle/>
+              <a:p>
+                <a:pPr/>
+                <a14:m>
+                  <m:oMathPara xmlns:m="http://schemas.openxmlformats.org/officeDocument/2006/math">
+                    <m:oMathParaPr>
+                      <m:jc m:val="centerGroup"/>
+                    </m:oMathParaPr>
+                    <m:oMath xmlns:m="http://schemas.openxmlformats.org/officeDocument/2006/math">
+                      <m:acc>
+                        <m:accPr>
+                          <m:chr m:val="⃗"/>
+                          <m:ctrlPr>
+                            <a:rPr lang="fr-FR" sz="1200" i="1" smtClean="0">
+                              <a:latin typeface="Cambria Math"/>
+                            </a:rPr>
+                          </m:ctrlPr>
+                        </m:accPr>
+                        <m:e>
+                          <m:sSub>
+                            <m:sSubPr>
+                              <m:ctrlPr>
+                                <a:rPr lang="fr-FR" sz="1200" b="0" i="1" smtClean="0">
+                                  <a:latin typeface="Cambria Math"/>
+                                </a:rPr>
+                              </m:ctrlPr>
+                            </m:sSubPr>
+                            <m:e>
+                              <m:r>
+                                <a:rPr lang="fr-FR" sz="1200" b="0" i="1" smtClean="0">
+                                  <a:latin typeface="Cambria Math"/>
+                                </a:rPr>
+                                <m:t>𝑥</m:t>
+                              </m:r>
+                            </m:e>
+                            <m:sub>
+                              <m:r>
+                                <a:rPr lang="fr-FR" sz="1200" b="0" i="1" smtClean="0">
+                                  <a:latin typeface="Cambria Math"/>
+                                </a:rPr>
+                                <m:t>2</m:t>
+                              </m:r>
+                            </m:sub>
+                          </m:sSub>
+                        </m:e>
+                      </m:acc>
+                    </m:oMath>
+                  </m:oMathPara>
+                </a14:m>
+                <a:endParaRPr lang="fr-FR" sz="1200" dirty="0"/>
+              </a:p>
+            </p:txBody>
+          </p:sp>
+        </mc:Choice>
+        <mc:Fallback xmlns="">
+          <p:sp>
+            <p:nvSpPr>
+              <p:cNvPr id="70" name="ZoneTexte 69"/>
+              <p:cNvSpPr txBox="1">
+                <a:spLocks noRot="1" noChangeAspect="1" noMove="1" noResize="1" noEditPoints="1" noAdjustHandles="1" noChangeArrowheads="1" noChangeShapeType="1" noTextEdit="1"/>
+              </p:cNvSpPr>
+              <p:nvPr/>
+            </p:nvSpPr>
+            <p:spPr>
+              <a:xfrm>
+                <a:off x="2434691" y="662208"/>
+                <a:ext cx="372345" cy="276999"/>
+              </a:xfrm>
+              <a:prstGeom prst="rect">
+                <a:avLst/>
+              </a:prstGeom>
+              <a:blipFill rotWithShape="1">
+                <a:blip r:embed="rId4"/>
+                <a:stretch>
+                  <a:fillRect/>
+                </a:stretch>
+              </a:blipFill>
+            </p:spPr>
+            <p:txBody>
+              <a:bodyPr/>
+              <a:lstStyle/>
+              <a:p>
+                <a:r>
+                  <a:rPr lang="fr-FR">
+                    <a:noFill/>
+                  </a:rPr>
+                  <a:t> </a:t>
+                </a:r>
+              </a:p>
+            </p:txBody>
+          </p:sp>
+        </mc:Fallback>
+      </mc:AlternateContent>
+      <p:sp>
+        <p:nvSpPr>
+          <p:cNvPr id="40" name="Forme libre 39"/>
           <p:cNvSpPr/>
           <p:nvPr/>
         </p:nvSpPr>
         <p:spPr>
-          <a:xfrm rot="16200000">
-            <a:off x="2837500" y="1230003"/>
-            <a:ext cx="729276" cy="140596"/>
+          <a:xfrm>
+            <a:off x="2190572" y="1988840"/>
+            <a:ext cx="576064" cy="140596"/>
           </a:xfrm>
           <a:custGeom>
             <a:avLst/>
@@ -5488,9 +7183,8 @@
             </a:pathLst>
           </a:custGeom>
           <a:solidFill>
-            <a:schemeClr val="accent5">
-              <a:lumMod val="20000"/>
-              <a:lumOff val="80000"/>
+            <a:schemeClr val="bg1">
+              <a:lumMod val="85000"/>
             </a:schemeClr>
           </a:solidFill>
           <a:ln w="12700">
@@ -5526,19 +7220,20 @@
       </p:sp>
       <p:cxnSp>
         <p:nvCxnSpPr>
-          <p:cNvPr id="15" name="Connecteur droit 14"/>
+          <p:cNvPr id="42" name="Connecteur droit 41"/>
           <p:cNvCxnSpPr/>
           <p:nvPr/>
         </p:nvCxnSpPr>
         <p:spPr>
-          <a:xfrm flipV="1">
-            <a:off x="3131840" y="937398"/>
-            <a:ext cx="0" cy="729276"/>
+          <a:xfrm>
+            <a:off x="2190572" y="1988840"/>
+            <a:ext cx="576064" cy="0"/>
           </a:xfrm>
           <a:prstGeom prst="line">
             <a:avLst/>
           </a:prstGeom>
-          <a:ln w="12700">
+          <a:noFill/>
+          <a:ln w="28575">
             <a:solidFill>
               <a:schemeClr val="accent5">
                 <a:lumMod val="50000"/>
@@ -5547,127 +7242,19 @@
           </a:ln>
         </p:spPr>
         <p:style>
-          <a:lnRef idx="1">
-            <a:schemeClr val="accent1"/>
+          <a:lnRef idx="2">
+            <a:schemeClr val="accent1">
+              <a:shade val="50000"/>
+            </a:schemeClr>
           </a:lnRef>
-          <a:fillRef idx="0">
+          <a:fillRef idx="1">
             <a:schemeClr val="accent1"/>
           </a:fillRef>
           <a:effectRef idx="0">
             <a:schemeClr val="accent1"/>
           </a:effectRef>
           <a:fontRef idx="minor">
-            <a:schemeClr val="tx1"/>
-          </a:fontRef>
-        </p:style>
-      </p:cxnSp>
-      <p:cxnSp>
-        <p:nvCxnSpPr>
-          <p:cNvPr id="17" name="Connecteur droit avec flèche 16"/>
-          <p:cNvCxnSpPr/>
-          <p:nvPr/>
-        </p:nvCxnSpPr>
-        <p:spPr>
-          <a:xfrm>
-            <a:off x="2039245" y="643417"/>
-            <a:ext cx="0" cy="610441"/>
-          </a:xfrm>
-          <a:prstGeom prst="straightConnector1">
-            <a:avLst/>
-          </a:prstGeom>
-          <a:ln w="28575">
-            <a:solidFill>
-              <a:srgbClr val="C00000"/>
-            </a:solidFill>
-            <a:tailEnd type="stealth" w="med" len="lg"/>
-          </a:ln>
-        </p:spPr>
-        <p:style>
-          <a:lnRef idx="1">
-            <a:schemeClr val="accent1"/>
-          </a:lnRef>
-          <a:fillRef idx="0">
-            <a:schemeClr val="accent1"/>
-          </a:fillRef>
-          <a:effectRef idx="0">
-            <a:schemeClr val="accent1"/>
-          </a:effectRef>
-          <a:fontRef idx="minor">
-            <a:schemeClr val="tx1"/>
-          </a:fontRef>
-        </p:style>
-      </p:cxnSp>
-      <p:cxnSp>
-        <p:nvCxnSpPr>
-          <p:cNvPr id="30" name="Connecteur droit 29"/>
-          <p:cNvCxnSpPr/>
-          <p:nvPr/>
-        </p:nvCxnSpPr>
-        <p:spPr>
-          <a:xfrm>
-            <a:off x="964862" y="1585843"/>
-            <a:ext cx="0" cy="319844"/>
-          </a:xfrm>
-          <a:prstGeom prst="line">
-            <a:avLst/>
-          </a:prstGeom>
-          <a:ln w="9525">
-            <a:solidFill>
-              <a:schemeClr val="accent5">
-                <a:lumMod val="50000"/>
-              </a:schemeClr>
-            </a:solidFill>
-          </a:ln>
-        </p:spPr>
-        <p:style>
-          <a:lnRef idx="1">
-            <a:schemeClr val="accent1"/>
-          </a:lnRef>
-          <a:fillRef idx="0">
-            <a:schemeClr val="accent1"/>
-          </a:fillRef>
-          <a:effectRef idx="0">
-            <a:schemeClr val="accent1"/>
-          </a:effectRef>
-          <a:fontRef idx="minor">
-            <a:schemeClr val="tx1"/>
-          </a:fontRef>
-        </p:style>
-      </p:cxnSp>
-      <p:cxnSp>
-        <p:nvCxnSpPr>
-          <p:cNvPr id="37" name="Connecteur droit 36"/>
-          <p:cNvCxnSpPr/>
-          <p:nvPr/>
-        </p:nvCxnSpPr>
-        <p:spPr>
-          <a:xfrm>
-            <a:off x="2039245" y="1265999"/>
-            <a:ext cx="0" cy="609963"/>
-          </a:xfrm>
-          <a:prstGeom prst="line">
-            <a:avLst/>
-          </a:prstGeom>
-          <a:ln w="9525">
-            <a:solidFill>
-              <a:schemeClr val="accent5">
-                <a:lumMod val="50000"/>
-              </a:schemeClr>
-            </a:solidFill>
-          </a:ln>
-        </p:spPr>
-        <p:style>
-          <a:lnRef idx="1">
-            <a:schemeClr val="accent1"/>
-          </a:lnRef>
-          <a:fillRef idx="0">
-            <a:schemeClr val="accent1"/>
-          </a:fillRef>
-          <a:effectRef idx="0">
-            <a:schemeClr val="accent1"/>
-          </a:effectRef>
-          <a:fontRef idx="minor">
-            <a:schemeClr val="tx1"/>
+            <a:schemeClr val="lt1"/>
           </a:fontRef>
         </p:style>
       </p:cxnSp>
@@ -5678,1207 +7265,109 @@
           <p:nvPr/>
         </p:nvCxnSpPr>
         <p:spPr>
-          <a:xfrm flipH="1">
-            <a:off x="972289" y="1839251"/>
-            <a:ext cx="1066956" cy="0"/>
+          <a:xfrm>
+            <a:off x="1288206" y="2089046"/>
+            <a:ext cx="0" cy="1692188"/>
           </a:xfrm>
           <a:prstGeom prst="line">
             <a:avLst/>
           </a:prstGeom>
-          <a:ln w="9525">
+          <a:noFill/>
+          <a:ln w="28575">
             <a:solidFill>
-              <a:schemeClr val="accent5">
-                <a:lumMod val="50000"/>
-              </a:schemeClr>
+              <a:schemeClr val="tx1"/>
             </a:solidFill>
-            <a:headEnd type="stealth" w="sm" len="med"/>
-            <a:tailEnd type="stealth" w="sm" len="med"/>
           </a:ln>
         </p:spPr>
         <p:style>
-          <a:lnRef idx="1">
-            <a:schemeClr val="accent1"/>
+          <a:lnRef idx="2">
+            <a:schemeClr val="accent1">
+              <a:shade val="50000"/>
+            </a:schemeClr>
           </a:lnRef>
-          <a:fillRef idx="0">
+          <a:fillRef idx="1">
             <a:schemeClr val="accent1"/>
           </a:fillRef>
           <a:effectRef idx="0">
             <a:schemeClr val="accent1"/>
           </a:effectRef>
           <a:fontRef idx="minor">
-            <a:schemeClr val="tx1"/>
+            <a:schemeClr val="lt1"/>
           </a:fontRef>
         </p:style>
       </p:cxnSp>
-      <p:cxnSp>
-        <p:nvCxnSpPr>
-          <p:cNvPr id="45" name="Connecteur droit 44"/>
-          <p:cNvCxnSpPr/>
+      <p:sp>
+        <p:nvSpPr>
+          <p:cNvPr id="45" name="Ellipse 44"/>
+          <p:cNvSpPr/>
           <p:nvPr/>
-        </p:nvCxnSpPr>
-        <p:spPr>
-          <a:xfrm>
-            <a:off x="1696627" y="1265999"/>
-            <a:ext cx="0" cy="479766"/>
-          </a:xfrm>
-          <a:prstGeom prst="line">
+        </p:nvSpPr>
+        <p:spPr>
+          <a:xfrm>
+            <a:off x="2777316" y="3483405"/>
+            <a:ext cx="276999" cy="276999"/>
+          </a:xfrm>
+          <a:prstGeom prst="ellipse">
             <a:avLst/>
           </a:prstGeom>
-          <a:ln w="9525">
+          <a:noFill/>
+          <a:ln w="28575">
             <a:solidFill>
-              <a:schemeClr val="accent5">
-                <a:lumMod val="50000"/>
-              </a:schemeClr>
+              <a:schemeClr val="tx1"/>
             </a:solidFill>
-            <a:prstDash val="lgDash"/>
           </a:ln>
         </p:spPr>
         <p:style>
-          <a:lnRef idx="1">
-            <a:schemeClr val="accent1"/>
+          <a:lnRef idx="2">
+            <a:schemeClr val="accent1">
+              <a:shade val="50000"/>
+            </a:schemeClr>
           </a:lnRef>
-          <a:fillRef idx="0">
+          <a:fillRef idx="1">
             <a:schemeClr val="accent1"/>
           </a:fillRef>
           <a:effectRef idx="0">
             <a:schemeClr val="accent1"/>
           </a:effectRef>
           <a:fontRef idx="minor">
-            <a:schemeClr val="tx1"/>
+            <a:schemeClr val="lt1"/>
           </a:fontRef>
         </p:style>
-      </p:cxnSp>
-      <p:cxnSp>
-        <p:nvCxnSpPr>
-          <p:cNvPr id="47" name="Connecteur droit 46"/>
-          <p:cNvCxnSpPr/>
-          <p:nvPr/>
-        </p:nvCxnSpPr>
-        <p:spPr>
-          <a:xfrm flipH="1">
-            <a:off x="978871" y="1683348"/>
-            <a:ext cx="717756" cy="0"/>
-          </a:xfrm>
-          <a:prstGeom prst="line">
-            <a:avLst/>
-          </a:prstGeom>
-          <a:ln w="9525">
-            <a:solidFill>
-              <a:schemeClr val="accent5">
-                <a:lumMod val="50000"/>
-              </a:schemeClr>
-            </a:solidFill>
-            <a:headEnd type="stealth" w="sm" len="med"/>
-            <a:tailEnd type="none" w="sm" len="med"/>
-          </a:ln>
-        </p:spPr>
-        <p:style>
-          <a:lnRef idx="1">
-            <a:schemeClr val="accent1"/>
-          </a:lnRef>
-          <a:fillRef idx="0">
-            <a:schemeClr val="accent1"/>
-          </a:fillRef>
-          <a:effectRef idx="0">
-            <a:schemeClr val="accent1"/>
-          </a:effectRef>
-          <a:fontRef idx="minor">
-            <a:schemeClr val="tx1"/>
-          </a:fontRef>
-        </p:style>
-      </p:cxnSp>
-      <mc:AlternateContent xmlns:mc="http://schemas.openxmlformats.org/markup-compatibility/2006" xmlns:a14="http://schemas.microsoft.com/office/drawing/2010/main">
-        <mc:Choice Requires="a14">
-          <p:sp>
-            <p:nvSpPr>
-              <p:cNvPr id="50" name="ZoneTexte 49"/>
-              <p:cNvSpPr txBox="1"/>
-              <p:nvPr/>
-            </p:nvSpPr>
-            <p:spPr>
-              <a:xfrm>
-                <a:off x="1214416" y="1499544"/>
-                <a:ext cx="264688" cy="215444"/>
-              </a:xfrm>
-              <a:prstGeom prst="rect">
-                <a:avLst/>
-              </a:prstGeom>
-              <a:noFill/>
-            </p:spPr>
-            <p:txBody>
-              <a:bodyPr wrap="none" rtlCol="0">
-                <a:spAutoFit/>
-              </a:bodyPr>
-              <a:lstStyle/>
-              <a:p>
-                <a:pPr/>
-                <a14:m>
-                  <m:oMathPara xmlns:m="http://schemas.openxmlformats.org/officeDocument/2006/math">
-                    <m:oMathParaPr>
-                      <m:jc m:val="centerGroup"/>
-                    </m:oMathParaPr>
-                    <m:oMath xmlns:m="http://schemas.openxmlformats.org/officeDocument/2006/math">
-                      <m:r>
-                        <a:rPr lang="fr-FR" sz="800" i="1" smtClean="0">
-                          <a:latin typeface="Cambria Math"/>
-                        </a:rPr>
-                        <m:t>𝑥</m:t>
-                      </m:r>
-                    </m:oMath>
-                  </m:oMathPara>
-                </a14:m>
-                <a:endParaRPr lang="fr-FR" sz="800" dirty="0"/>
-              </a:p>
-            </p:txBody>
-          </p:sp>
-        </mc:Choice>
-        <mc:Fallback xmlns="">
-          <p:sp>
-            <p:nvSpPr>
-              <p:cNvPr id="50" name="ZoneTexte 49"/>
-              <p:cNvSpPr txBox="1">
-                <a:spLocks noRot="1" noChangeAspect="1" noMove="1" noResize="1" noEditPoints="1" noAdjustHandles="1" noChangeArrowheads="1" noChangeShapeType="1" noTextEdit="1"/>
-              </p:cNvSpPr>
-              <p:nvPr/>
-            </p:nvSpPr>
-            <p:spPr>
-              <a:xfrm>
-                <a:off x="1214416" y="1499544"/>
-                <a:ext cx="264688" cy="215444"/>
-              </a:xfrm>
-              <a:prstGeom prst="rect">
-                <a:avLst/>
-              </a:prstGeom>
-              <a:blipFill rotWithShape="1">
-                <a:blip r:embed="rId4"/>
-                <a:stretch>
-                  <a:fillRect/>
-                </a:stretch>
-              </a:blipFill>
-            </p:spPr>
-            <p:txBody>
-              <a:bodyPr/>
-              <a:lstStyle/>
-              <a:p>
-                <a:r>
-                  <a:rPr lang="fr-FR">
-                    <a:noFill/>
-                  </a:rPr>
-                  <a:t> </a:t>
-                </a:r>
-              </a:p>
-            </p:txBody>
-          </p:sp>
-        </mc:Fallback>
-      </mc:AlternateContent>
-      <mc:AlternateContent xmlns:mc="http://schemas.openxmlformats.org/markup-compatibility/2006" xmlns:a14="http://schemas.microsoft.com/office/drawing/2010/main">
-        <mc:Choice Requires="a14">
-          <p:sp>
-            <p:nvSpPr>
-              <p:cNvPr id="51" name="ZoneTexte 50"/>
-              <p:cNvSpPr txBox="1"/>
-              <p:nvPr/>
-            </p:nvSpPr>
-            <p:spPr>
-              <a:xfrm>
-                <a:off x="1700225" y="1554014"/>
-                <a:ext cx="263727" cy="321948"/>
-              </a:xfrm>
-              <a:prstGeom prst="rect">
-                <a:avLst/>
-              </a:prstGeom>
-              <a:noFill/>
-            </p:spPr>
-            <p:txBody>
-              <a:bodyPr wrap="none" rtlCol="0">
-                <a:spAutoFit/>
-              </a:bodyPr>
-              <a:lstStyle/>
-              <a:p>
-                <a:pPr/>
-                <a14:m>
-                  <m:oMathPara xmlns:m="http://schemas.openxmlformats.org/officeDocument/2006/math">
-                    <m:oMathParaPr>
-                      <m:jc m:val="centerGroup"/>
-                    </m:oMathParaPr>
-                    <m:oMath xmlns:m="http://schemas.openxmlformats.org/officeDocument/2006/math">
-                      <m:f>
-                        <m:fPr>
-                          <m:ctrlPr>
-                            <a:rPr lang="fr-FR" sz="800" b="0" i="1" smtClean="0">
-                              <a:latin typeface="Cambria Math"/>
-                            </a:rPr>
-                          </m:ctrlPr>
-                        </m:fPr>
-                        <m:num>
-                          <m:r>
-                            <a:rPr lang="fr-FR" sz="800" b="0" i="1" smtClean="0">
-                              <a:latin typeface="Cambria Math"/>
-                            </a:rPr>
-                            <m:t>𝐿</m:t>
-                          </m:r>
-                        </m:num>
-                        <m:den>
-                          <m:r>
-                            <a:rPr lang="fr-FR" sz="800" b="0" i="1" smtClean="0">
-                              <a:latin typeface="Cambria Math"/>
-                            </a:rPr>
-                            <m:t>2</m:t>
-                          </m:r>
-                        </m:den>
-                      </m:f>
-                    </m:oMath>
-                  </m:oMathPara>
-                </a14:m>
-                <a:endParaRPr lang="fr-FR" sz="800" dirty="0"/>
-              </a:p>
-            </p:txBody>
-          </p:sp>
-        </mc:Choice>
-        <mc:Fallback xmlns="">
-          <p:sp>
-            <p:nvSpPr>
-              <p:cNvPr id="51" name="ZoneTexte 50"/>
-              <p:cNvSpPr txBox="1">
-                <a:spLocks noRot="1" noChangeAspect="1" noMove="1" noResize="1" noEditPoints="1" noAdjustHandles="1" noChangeArrowheads="1" noChangeShapeType="1" noTextEdit="1"/>
-              </p:cNvSpPr>
-              <p:nvPr/>
-            </p:nvSpPr>
-            <p:spPr>
-              <a:xfrm>
-                <a:off x="1700225" y="1554014"/>
-                <a:ext cx="263727" cy="321948"/>
-              </a:xfrm>
-              <a:prstGeom prst="rect">
-                <a:avLst/>
-              </a:prstGeom>
-              <a:blipFill rotWithShape="1">
-                <a:blip r:embed="rId5"/>
-                <a:stretch>
-                  <a:fillRect/>
-                </a:stretch>
-              </a:blipFill>
-            </p:spPr>
-            <p:txBody>
-              <a:bodyPr/>
-              <a:lstStyle/>
-              <a:p>
-                <a:r>
-                  <a:rPr lang="fr-FR">
-                    <a:noFill/>
-                  </a:rPr>
-                  <a:t> </a:t>
-                </a:r>
-              </a:p>
-            </p:txBody>
-          </p:sp>
-        </mc:Fallback>
-      </mc:AlternateContent>
-      <mc:AlternateContent xmlns:mc="http://schemas.openxmlformats.org/markup-compatibility/2006" xmlns:a14="http://schemas.microsoft.com/office/drawing/2010/main">
-        <mc:Choice Requires="a14">
-          <p:sp>
-            <p:nvSpPr>
-              <p:cNvPr id="53" name="ZoneTexte 52"/>
-              <p:cNvSpPr txBox="1"/>
-              <p:nvPr/>
-            </p:nvSpPr>
-            <p:spPr>
-              <a:xfrm>
-                <a:off x="2020008" y="648550"/>
-                <a:ext cx="273665" cy="230256"/>
-              </a:xfrm>
-              <a:prstGeom prst="rect">
-                <a:avLst/>
-              </a:prstGeom>
-              <a:noFill/>
-            </p:spPr>
-            <p:txBody>
-              <a:bodyPr wrap="none" rtlCol="0">
-                <a:spAutoFit/>
-              </a:bodyPr>
-              <a:lstStyle/>
-              <a:p>
-                <a:pPr/>
-                <a14:m>
-                  <m:oMathPara xmlns:m="http://schemas.openxmlformats.org/officeDocument/2006/math">
-                    <m:oMathParaPr>
-                      <m:jc m:val="centerGroup"/>
-                    </m:oMathParaPr>
-                    <m:oMath xmlns:m="http://schemas.openxmlformats.org/officeDocument/2006/math">
-                      <m:acc>
-                        <m:accPr>
-                          <m:chr m:val="⃗"/>
-                          <m:ctrlPr>
-                            <a:rPr lang="fr-FR" sz="800" b="0" i="1" smtClean="0">
-                              <a:latin typeface="Cambria Math"/>
-                            </a:rPr>
-                          </m:ctrlPr>
-                        </m:accPr>
-                        <m:e>
-                          <m:r>
-                            <a:rPr lang="fr-FR" sz="800" b="0" i="1" smtClean="0">
-                              <a:latin typeface="Cambria Math"/>
-                            </a:rPr>
-                            <m:t>𝐹</m:t>
-                          </m:r>
-                        </m:e>
-                      </m:acc>
-                    </m:oMath>
-                  </m:oMathPara>
-                </a14:m>
-                <a:endParaRPr lang="fr-FR" sz="800" dirty="0"/>
-              </a:p>
-            </p:txBody>
-          </p:sp>
-        </mc:Choice>
-        <mc:Fallback xmlns="">
-          <p:sp>
-            <p:nvSpPr>
-              <p:cNvPr id="53" name="ZoneTexte 52"/>
-              <p:cNvSpPr txBox="1">
-                <a:spLocks noRot="1" noChangeAspect="1" noMove="1" noResize="1" noEditPoints="1" noAdjustHandles="1" noChangeArrowheads="1" noChangeShapeType="1" noTextEdit="1"/>
-              </p:cNvSpPr>
-              <p:nvPr/>
-            </p:nvSpPr>
-            <p:spPr>
-              <a:xfrm>
-                <a:off x="2020008" y="648550"/>
-                <a:ext cx="273665" cy="230256"/>
-              </a:xfrm>
-              <a:prstGeom prst="rect">
-                <a:avLst/>
-              </a:prstGeom>
-              <a:blipFill rotWithShape="1">
-                <a:blip r:embed="rId6"/>
-                <a:stretch>
-                  <a:fillRect t="-10526" r="-4444"/>
-                </a:stretch>
-              </a:blipFill>
-            </p:spPr>
-            <p:txBody>
-              <a:bodyPr/>
-              <a:lstStyle/>
-              <a:p>
-                <a:r>
-                  <a:rPr lang="fr-FR">
-                    <a:noFill/>
-                  </a:rPr>
-                  <a:t> </a:t>
-                </a:r>
-              </a:p>
-            </p:txBody>
-          </p:sp>
-        </mc:Fallback>
-      </mc:AlternateContent>
-      <mc:AlternateContent xmlns:mc="http://schemas.openxmlformats.org/markup-compatibility/2006" xmlns:a14="http://schemas.microsoft.com/office/drawing/2010/main">
-        <mc:Choice Requires="a14">
-          <p:sp>
-            <p:nvSpPr>
-              <p:cNvPr id="54" name="ZoneTexte 53"/>
-              <p:cNvSpPr txBox="1"/>
-              <p:nvPr/>
-            </p:nvSpPr>
-            <p:spPr>
-              <a:xfrm>
-                <a:off x="899592" y="1053316"/>
-                <a:ext cx="273858" cy="215444"/>
-              </a:xfrm>
-              <a:prstGeom prst="rect">
-                <a:avLst/>
-              </a:prstGeom>
-              <a:noFill/>
-            </p:spPr>
-            <p:txBody>
-              <a:bodyPr wrap="none" rtlCol="0">
-                <a:spAutoFit/>
-              </a:bodyPr>
-              <a:lstStyle/>
-              <a:p>
-                <a:pPr/>
-                <a14:m>
-                  <m:oMathPara xmlns:m="http://schemas.openxmlformats.org/officeDocument/2006/math">
-                    <m:oMathParaPr>
-                      <m:jc m:val="centerGroup"/>
-                    </m:oMathParaPr>
-                    <m:oMath xmlns:m="http://schemas.openxmlformats.org/officeDocument/2006/math">
-                      <m:r>
-                        <a:rPr lang="fr-FR" sz="800" b="0" i="1" smtClean="0">
-                          <a:latin typeface="Cambria Math"/>
-                        </a:rPr>
-                        <m:t>𝐴</m:t>
-                      </m:r>
-                    </m:oMath>
-                  </m:oMathPara>
-                </a14:m>
-                <a:endParaRPr lang="fr-FR" sz="800" dirty="0"/>
-              </a:p>
-            </p:txBody>
-          </p:sp>
-        </mc:Choice>
-        <mc:Fallback xmlns="">
-          <p:sp>
-            <p:nvSpPr>
-              <p:cNvPr id="54" name="ZoneTexte 53"/>
-              <p:cNvSpPr txBox="1">
-                <a:spLocks noRot="1" noChangeAspect="1" noMove="1" noResize="1" noEditPoints="1" noAdjustHandles="1" noChangeArrowheads="1" noChangeShapeType="1" noTextEdit="1"/>
-              </p:cNvSpPr>
-              <p:nvPr/>
-            </p:nvSpPr>
-            <p:spPr>
-              <a:xfrm>
-                <a:off x="899592" y="1053316"/>
-                <a:ext cx="273858" cy="215444"/>
-              </a:xfrm>
-              <a:prstGeom prst="rect">
-                <a:avLst/>
-              </a:prstGeom>
-              <a:blipFill rotWithShape="1">
-                <a:blip r:embed="rId8"/>
-                <a:stretch>
-                  <a:fillRect/>
-                </a:stretch>
-              </a:blipFill>
-            </p:spPr>
-            <p:txBody>
-              <a:bodyPr/>
-              <a:lstStyle/>
-              <a:p>
-                <a:r>
-                  <a:rPr lang="fr-FR">
-                    <a:noFill/>
-                  </a:rPr>
-                  <a:t> </a:t>
-                </a:r>
-              </a:p>
-            </p:txBody>
-          </p:sp>
-        </mc:Fallback>
-      </mc:AlternateContent>
-      <mc:AlternateContent xmlns:mc="http://schemas.openxmlformats.org/markup-compatibility/2006" xmlns:a14="http://schemas.microsoft.com/office/drawing/2010/main">
-        <mc:Choice Requires="a14">
-          <p:sp>
-            <p:nvSpPr>
-              <p:cNvPr id="55" name="ZoneTexte 54"/>
-              <p:cNvSpPr txBox="1"/>
-              <p:nvPr/>
-            </p:nvSpPr>
-            <p:spPr>
-              <a:xfrm>
-                <a:off x="1556372" y="1050555"/>
-                <a:ext cx="275717" cy="215444"/>
-              </a:xfrm>
-              <a:prstGeom prst="rect">
-                <a:avLst/>
-              </a:prstGeom>
-              <a:noFill/>
-            </p:spPr>
-            <p:txBody>
-              <a:bodyPr wrap="none" rtlCol="0">
-                <a:spAutoFit/>
-              </a:bodyPr>
-              <a:lstStyle/>
-              <a:p>
-                <a:pPr/>
-                <a14:m>
-                  <m:oMathPara xmlns:m="http://schemas.openxmlformats.org/officeDocument/2006/math">
-                    <m:oMathParaPr>
-                      <m:jc m:val="centerGroup"/>
-                    </m:oMathParaPr>
-                    <m:oMath xmlns:m="http://schemas.openxmlformats.org/officeDocument/2006/math">
-                      <m:r>
-                        <a:rPr lang="fr-FR" sz="800" b="0" i="1" smtClean="0">
-                          <a:latin typeface="Cambria Math"/>
-                        </a:rPr>
-                        <m:t>𝐺</m:t>
-                      </m:r>
-                    </m:oMath>
-                  </m:oMathPara>
-                </a14:m>
-                <a:endParaRPr lang="fr-FR" sz="800" dirty="0"/>
-              </a:p>
-            </p:txBody>
-          </p:sp>
-        </mc:Choice>
-        <mc:Fallback xmlns="">
-          <p:sp>
-            <p:nvSpPr>
-              <p:cNvPr id="55" name="ZoneTexte 54"/>
-              <p:cNvSpPr txBox="1">
-                <a:spLocks noRot="1" noChangeAspect="1" noMove="1" noResize="1" noEditPoints="1" noAdjustHandles="1" noChangeArrowheads="1" noChangeShapeType="1" noTextEdit="1"/>
-              </p:cNvSpPr>
-              <p:nvPr/>
-            </p:nvSpPr>
-            <p:spPr>
-              <a:xfrm>
-                <a:off x="1556372" y="1050555"/>
-                <a:ext cx="275717" cy="215444"/>
-              </a:xfrm>
-              <a:prstGeom prst="rect">
-                <a:avLst/>
-              </a:prstGeom>
-              <a:blipFill rotWithShape="1">
-                <a:blip r:embed="rId9"/>
-                <a:stretch>
-                  <a:fillRect/>
-                </a:stretch>
-              </a:blipFill>
-            </p:spPr>
-            <p:txBody>
-              <a:bodyPr/>
-              <a:lstStyle/>
-              <a:p>
-                <a:r>
-                  <a:rPr lang="fr-FR">
-                    <a:noFill/>
-                  </a:rPr>
-                  <a:t> </a:t>
-                </a:r>
-              </a:p>
-            </p:txBody>
-          </p:sp>
-        </mc:Fallback>
-      </mc:AlternateContent>
-      <mc:AlternateContent xmlns:mc="http://schemas.openxmlformats.org/markup-compatibility/2006" xmlns:a14="http://schemas.microsoft.com/office/drawing/2010/main">
-        <mc:Choice Requires="a14">
-          <p:sp>
-            <p:nvSpPr>
-              <p:cNvPr id="56" name="ZoneTexte 55"/>
-              <p:cNvSpPr txBox="1"/>
-              <p:nvPr/>
-            </p:nvSpPr>
-            <p:spPr>
-              <a:xfrm>
-                <a:off x="2020008" y="1050554"/>
-                <a:ext cx="273728" cy="215444"/>
-              </a:xfrm>
-              <a:prstGeom prst="rect">
-                <a:avLst/>
-              </a:prstGeom>
-              <a:noFill/>
-            </p:spPr>
-            <p:txBody>
-              <a:bodyPr wrap="none" rtlCol="0">
-                <a:spAutoFit/>
-              </a:bodyPr>
-              <a:lstStyle/>
-              <a:p>
-                <a:pPr/>
-                <a14:m>
-                  <m:oMathPara xmlns:m="http://schemas.openxmlformats.org/officeDocument/2006/math">
-                    <m:oMathParaPr>
-                      <m:jc m:val="centerGroup"/>
-                    </m:oMathParaPr>
-                    <m:oMath xmlns:m="http://schemas.openxmlformats.org/officeDocument/2006/math">
-                      <m:r>
-                        <a:rPr lang="fr-FR" sz="800" b="0" i="1" smtClean="0">
-                          <a:latin typeface="Cambria Math"/>
-                        </a:rPr>
-                        <m:t>𝑃</m:t>
-                      </m:r>
-                    </m:oMath>
-                  </m:oMathPara>
-                </a14:m>
-                <a:endParaRPr lang="fr-FR" sz="800" dirty="0"/>
-              </a:p>
-            </p:txBody>
-          </p:sp>
-        </mc:Choice>
-        <mc:Fallback xmlns="">
-          <p:sp>
-            <p:nvSpPr>
-              <p:cNvPr id="56" name="ZoneTexte 55"/>
-              <p:cNvSpPr txBox="1">
-                <a:spLocks noRot="1" noChangeAspect="1" noMove="1" noResize="1" noEditPoints="1" noAdjustHandles="1" noChangeArrowheads="1" noChangeShapeType="1" noTextEdit="1"/>
-              </p:cNvSpPr>
-              <p:nvPr/>
-            </p:nvSpPr>
-            <p:spPr>
-              <a:xfrm>
-                <a:off x="2020008" y="1050554"/>
-                <a:ext cx="273728" cy="215444"/>
-              </a:xfrm>
-              <a:prstGeom prst="rect">
-                <a:avLst/>
-              </a:prstGeom>
-              <a:blipFill rotWithShape="1">
-                <a:blip r:embed="rId10"/>
-                <a:stretch>
-                  <a:fillRect/>
-                </a:stretch>
-              </a:blipFill>
-            </p:spPr>
-            <p:txBody>
-              <a:bodyPr/>
-              <a:lstStyle/>
-              <a:p>
-                <a:r>
-                  <a:rPr lang="fr-FR">
-                    <a:noFill/>
-                  </a:rPr>
-                  <a:t> </a:t>
-                </a:r>
-              </a:p>
-            </p:txBody>
-          </p:sp>
-        </mc:Fallback>
-      </mc:AlternateContent>
-      <mc:AlternateContent xmlns:mc="http://schemas.openxmlformats.org/markup-compatibility/2006" xmlns:a14="http://schemas.microsoft.com/office/drawing/2010/main">
-        <mc:Choice Requires="a14">
-          <p:sp>
-            <p:nvSpPr>
-              <p:cNvPr id="57" name="ZoneTexte 56"/>
-              <p:cNvSpPr txBox="1"/>
-              <p:nvPr/>
-            </p:nvSpPr>
-            <p:spPr>
-              <a:xfrm>
-                <a:off x="2857453" y="1026205"/>
-                <a:ext cx="277192" cy="215444"/>
-              </a:xfrm>
-              <a:prstGeom prst="rect">
-                <a:avLst/>
-              </a:prstGeom>
-              <a:noFill/>
-            </p:spPr>
-            <p:txBody>
-              <a:bodyPr wrap="none" rtlCol="0">
-                <a:spAutoFit/>
-              </a:bodyPr>
-              <a:lstStyle/>
-              <a:p>
-                <a:pPr/>
-                <a14:m>
-                  <m:oMathPara xmlns:m="http://schemas.openxmlformats.org/officeDocument/2006/math">
-                    <m:oMathParaPr>
-                      <m:jc m:val="centerGroup"/>
-                    </m:oMathParaPr>
-                    <m:oMath xmlns:m="http://schemas.openxmlformats.org/officeDocument/2006/math">
-                      <m:r>
-                        <a:rPr lang="fr-FR" sz="800" b="0" i="1" smtClean="0">
-                          <a:latin typeface="Cambria Math"/>
-                        </a:rPr>
-                        <m:t>𝐵</m:t>
-                      </m:r>
-                    </m:oMath>
-                  </m:oMathPara>
-                </a14:m>
-                <a:endParaRPr lang="fr-FR" sz="800" dirty="0"/>
-              </a:p>
-            </p:txBody>
-          </p:sp>
-        </mc:Choice>
-        <mc:Fallback xmlns="">
-          <p:sp>
-            <p:nvSpPr>
-              <p:cNvPr id="57" name="ZoneTexte 56"/>
-              <p:cNvSpPr txBox="1">
-                <a:spLocks noRot="1" noChangeAspect="1" noMove="1" noResize="1" noEditPoints="1" noAdjustHandles="1" noChangeArrowheads="1" noChangeShapeType="1" noTextEdit="1"/>
-              </p:cNvSpPr>
-              <p:nvPr/>
-            </p:nvSpPr>
-            <p:spPr>
-              <a:xfrm>
-                <a:off x="2857453" y="1026205"/>
-                <a:ext cx="277192" cy="215444"/>
-              </a:xfrm>
-              <a:prstGeom prst="rect">
-                <a:avLst/>
-              </a:prstGeom>
-              <a:blipFill rotWithShape="1">
-                <a:blip r:embed="rId11"/>
-                <a:stretch>
-                  <a:fillRect/>
-                </a:stretch>
-              </a:blipFill>
-            </p:spPr>
-            <p:txBody>
-              <a:bodyPr/>
-              <a:lstStyle/>
-              <a:p>
-                <a:r>
-                  <a:rPr lang="fr-FR">
-                    <a:noFill/>
-                  </a:rPr>
-                  <a:t> </a:t>
-                </a:r>
-              </a:p>
-            </p:txBody>
-          </p:sp>
-        </mc:Fallback>
-      </mc:AlternateContent>
-      <p:grpSp>
-        <p:nvGrpSpPr>
-          <p:cNvPr id="29" name="Groupe 28"/>
-          <p:cNvGrpSpPr/>
-          <p:nvPr/>
-        </p:nvGrpSpPr>
-        <p:grpSpPr>
-          <a:xfrm>
-            <a:off x="1173450" y="229131"/>
-            <a:ext cx="635493" cy="667820"/>
-            <a:chOff x="1122092" y="338145"/>
-            <a:chExt cx="635493" cy="667820"/>
-          </a:xfrm>
-        </p:grpSpPr>
-        <mc:AlternateContent xmlns:mc="http://schemas.openxmlformats.org/markup-compatibility/2006" xmlns:a14="http://schemas.microsoft.com/office/drawing/2010/main">
-          <mc:Choice Requires="a14">
-            <p:sp>
-              <p:nvSpPr>
-                <p:cNvPr id="31" name="ZoneTexte 30"/>
-                <p:cNvSpPr txBox="1"/>
-                <p:nvPr/>
-              </p:nvSpPr>
-              <p:spPr>
-                <a:xfrm>
-                  <a:off x="1141783" y="746745"/>
-                  <a:ext cx="258532" cy="215444"/>
-                </a:xfrm>
-                <a:prstGeom prst="rect">
-                  <a:avLst/>
-                </a:prstGeom>
-                <a:noFill/>
-              </p:spPr>
-              <p:txBody>
-                <a:bodyPr wrap="none" rtlCol="0">
-                  <a:spAutoFit/>
-                </a:bodyPr>
-                <a:lstStyle/>
-                <a:p>
-                  <a:pPr/>
-                  <a14:m>
-                    <m:oMathPara xmlns:m="http://schemas.openxmlformats.org/officeDocument/2006/math">
-                      <m:oMathParaPr>
-                        <m:jc m:val="centerGroup"/>
-                      </m:oMathParaPr>
-                      <m:oMath xmlns:m="http://schemas.openxmlformats.org/officeDocument/2006/math">
-                        <m:acc>
-                          <m:accPr>
-                            <m:chr m:val="⃗"/>
-                            <m:ctrlPr>
-                              <a:rPr lang="fr-FR" sz="800" i="1" smtClean="0">
-                                <a:latin typeface="Cambria Math"/>
-                              </a:rPr>
-                            </m:ctrlPr>
-                          </m:accPr>
-                          <m:e>
-                            <m:r>
-                              <a:rPr lang="fr-FR" sz="800" b="0" i="1" smtClean="0">
-                                <a:latin typeface="Cambria Math"/>
-                              </a:rPr>
-                              <m:t>𝑧</m:t>
-                            </m:r>
-                          </m:e>
-                        </m:acc>
-                      </m:oMath>
-                    </m:oMathPara>
-                  </a14:m>
-                  <a:endParaRPr lang="fr-FR" sz="800" dirty="0"/>
-                </a:p>
-              </p:txBody>
-            </p:sp>
-          </mc:Choice>
-          <mc:Fallback xmlns="">
-            <p:sp>
-              <p:nvSpPr>
-                <p:cNvPr id="58" name="ZoneTexte 57"/>
-                <p:cNvSpPr txBox="1">
-                  <a:spLocks noRot="1" noChangeAspect="1" noMove="1" noResize="1" noEditPoints="1" noAdjustHandles="1" noChangeArrowheads="1" noChangeShapeType="1" noTextEdit="1"/>
-                </p:cNvSpPr>
-                <p:nvPr/>
-              </p:nvSpPr>
-              <p:spPr>
-                <a:xfrm>
-                  <a:off x="1141783" y="746745"/>
-                  <a:ext cx="258532" cy="215444"/>
-                </a:xfrm>
-                <a:prstGeom prst="rect">
-                  <a:avLst/>
-                </a:prstGeom>
-                <a:blipFill rotWithShape="1">
-                  <a:blip r:embed="rId12"/>
-                  <a:stretch>
-                    <a:fillRect t="-8333"/>
-                  </a:stretch>
-                </a:blipFill>
-              </p:spPr>
-              <p:txBody>
-                <a:bodyPr/>
-                <a:lstStyle/>
-                <a:p>
-                  <a:r>
-                    <a:rPr lang="fr-FR">
-                      <a:noFill/>
-                    </a:rPr>
-                    <a:t> </a:t>
-                  </a:r>
-                </a:p>
-              </p:txBody>
-            </p:sp>
-          </mc:Fallback>
-        </mc:AlternateContent>
-        <p:cxnSp>
-          <p:nvCxnSpPr>
-            <p:cNvPr id="32" name="Connecteur droit avec flèche 31"/>
-            <p:cNvCxnSpPr/>
-            <p:nvPr/>
-          </p:nvCxnSpPr>
-          <p:spPr>
-            <a:xfrm>
-              <a:off x="1192196" y="939329"/>
-              <a:ext cx="503368" cy="0"/>
-            </a:xfrm>
-            <a:prstGeom prst="straightConnector1">
-              <a:avLst/>
-            </a:prstGeom>
-            <a:ln w="12700">
+        <p:txBody>
+          <a:bodyPr lIns="0" tIns="0" rIns="0" bIns="0" rtlCol="0" anchor="ctr"/>
+          <a:lstStyle/>
+          <a:p>
+            <a:pPr algn="ctr"/>
+            <a:r>
+              <a:rPr lang="fr-FR" sz="1400" dirty="0">
+                <a:ln>
+                  <a:solidFill>
+                    <a:sysClr val="windowText" lastClr="000000"/>
+                  </a:solidFill>
+                </a:ln>
+                <a:solidFill>
+                  <a:schemeClr val="tx1"/>
+                </a:solidFill>
+              </a:rPr>
+              <a:t>0</a:t>
+            </a:r>
+            <a:endParaRPr lang="fr-FR" sz="1400" dirty="0">
+              <a:ln>
+                <a:solidFill>
+                  <a:sysClr val="windowText" lastClr="000000"/>
+                </a:solidFill>
+              </a:ln>
               <a:solidFill>
-                <a:srgbClr val="C00000"/>
+                <a:schemeClr val="tx1"/>
               </a:solidFill>
-              <a:tailEnd type="stealth" w="med" len="lg"/>
-            </a:ln>
-          </p:spPr>
-          <p:style>
-            <a:lnRef idx="1">
-              <a:schemeClr val="accent1"/>
-            </a:lnRef>
-            <a:fillRef idx="0">
-              <a:schemeClr val="accent1"/>
-            </a:fillRef>
-            <a:effectRef idx="0">
-              <a:schemeClr val="accent1"/>
-            </a:effectRef>
-            <a:fontRef idx="minor">
-              <a:schemeClr val="tx1"/>
-            </a:fontRef>
-          </p:style>
-        </p:cxnSp>
-        <p:cxnSp>
-          <p:nvCxnSpPr>
-            <p:cNvPr id="33" name="Connecteur droit avec flèche 32"/>
-            <p:cNvCxnSpPr/>
-            <p:nvPr/>
-          </p:nvCxnSpPr>
-          <p:spPr>
-            <a:xfrm rot="16200000">
-              <a:off x="937045" y="682621"/>
-              <a:ext cx="503368" cy="0"/>
-            </a:xfrm>
-            <a:prstGeom prst="straightConnector1">
-              <a:avLst/>
-            </a:prstGeom>
-            <a:ln w="12700">
-              <a:solidFill>
-                <a:srgbClr val="C00000"/>
-              </a:solidFill>
-              <a:tailEnd type="stealth" w="med" len="lg"/>
-            </a:ln>
-          </p:spPr>
-          <p:style>
-            <a:lnRef idx="1">
-              <a:schemeClr val="accent1"/>
-            </a:lnRef>
-            <a:fillRef idx="0">
-              <a:schemeClr val="accent1"/>
-            </a:fillRef>
-            <a:effectRef idx="0">
-              <a:schemeClr val="accent1"/>
-            </a:effectRef>
-            <a:fontRef idx="minor">
-              <a:schemeClr val="tx1"/>
-            </a:fontRef>
-          </p:style>
-        </p:cxnSp>
-        <mc:AlternateContent xmlns:mc="http://schemas.openxmlformats.org/markup-compatibility/2006" xmlns:a14="http://schemas.microsoft.com/office/drawing/2010/main">
-          <mc:Choice Requires="a14">
-            <p:sp>
-              <p:nvSpPr>
-                <p:cNvPr id="34" name="ZoneTexte 33"/>
-                <p:cNvSpPr txBox="1"/>
-                <p:nvPr/>
-              </p:nvSpPr>
-              <p:spPr>
-                <a:xfrm>
-                  <a:off x="1492897" y="724080"/>
-                  <a:ext cx="264688" cy="215444"/>
-                </a:xfrm>
-                <a:prstGeom prst="rect">
-                  <a:avLst/>
-                </a:prstGeom>
-                <a:noFill/>
-              </p:spPr>
-              <p:txBody>
-                <a:bodyPr wrap="none" rtlCol="0">
-                  <a:spAutoFit/>
-                </a:bodyPr>
-                <a:lstStyle/>
-                <a:p>
-                  <a:pPr/>
-                  <a14:m>
-                    <m:oMathPara xmlns:m="http://schemas.openxmlformats.org/officeDocument/2006/math">
-                      <m:oMathParaPr>
-                        <m:jc m:val="centerGroup"/>
-                      </m:oMathParaPr>
-                      <m:oMath xmlns:m="http://schemas.openxmlformats.org/officeDocument/2006/math">
-                        <m:acc>
-                          <m:accPr>
-                            <m:chr m:val="⃗"/>
-                            <m:ctrlPr>
-                              <a:rPr lang="fr-FR" sz="800" i="1" smtClean="0">
-                                <a:latin typeface="Cambria Math"/>
-                              </a:rPr>
-                            </m:ctrlPr>
-                          </m:accPr>
-                          <m:e>
-                            <m:r>
-                              <a:rPr lang="fr-FR" sz="800" b="0" i="1" smtClean="0">
-                                <a:latin typeface="Cambria Math"/>
-                              </a:rPr>
-                              <m:t>𝑥</m:t>
-                            </m:r>
-                          </m:e>
-                        </m:acc>
-                      </m:oMath>
-                    </m:oMathPara>
-                  </a14:m>
-                  <a:endParaRPr lang="fr-FR" sz="800" dirty="0"/>
-                </a:p>
-              </p:txBody>
-            </p:sp>
-          </mc:Choice>
-          <mc:Fallback xmlns="">
-            <p:sp>
-              <p:nvSpPr>
-                <p:cNvPr id="35" name="ZoneTexte 34"/>
-                <p:cNvSpPr txBox="1">
-                  <a:spLocks noRot="1" noChangeAspect="1" noMove="1" noResize="1" noEditPoints="1" noAdjustHandles="1" noChangeArrowheads="1" noChangeShapeType="1" noTextEdit="1"/>
-                </p:cNvSpPr>
-                <p:nvPr/>
-              </p:nvSpPr>
-              <p:spPr>
-                <a:xfrm>
-                  <a:off x="1492897" y="724080"/>
-                  <a:ext cx="264688" cy="215444"/>
-                </a:xfrm>
-                <a:prstGeom prst="rect">
-                  <a:avLst/>
-                </a:prstGeom>
-                <a:blipFill rotWithShape="1">
-                  <a:blip r:embed="rId13"/>
-                  <a:stretch>
-                    <a:fillRect t="-8571"/>
-                  </a:stretch>
-                </a:blipFill>
-              </p:spPr>
-              <p:txBody>
-                <a:bodyPr/>
-                <a:lstStyle/>
-                <a:p>
-                  <a:r>
-                    <a:rPr lang="fr-FR">
-                      <a:noFill/>
-                    </a:rPr>
-                    <a:t> </a:t>
-                  </a:r>
-                </a:p>
-              </p:txBody>
-            </p:sp>
-          </mc:Fallback>
-        </mc:AlternateContent>
-        <mc:AlternateContent xmlns:mc="http://schemas.openxmlformats.org/markup-compatibility/2006" xmlns:a14="http://schemas.microsoft.com/office/drawing/2010/main">
-          <mc:Choice Requires="a14">
-            <p:sp>
-              <p:nvSpPr>
-                <p:cNvPr id="35" name="ZoneTexte 34"/>
-                <p:cNvSpPr txBox="1"/>
-                <p:nvPr/>
-              </p:nvSpPr>
-              <p:spPr>
-                <a:xfrm>
-                  <a:off x="1146489" y="338145"/>
-                  <a:ext cx="266547" cy="215444"/>
-                </a:xfrm>
-                <a:prstGeom prst="rect">
-                  <a:avLst/>
-                </a:prstGeom>
-                <a:noFill/>
-              </p:spPr>
-              <p:txBody>
-                <a:bodyPr wrap="none" rtlCol="0">
-                  <a:spAutoFit/>
-                </a:bodyPr>
-                <a:lstStyle/>
-                <a:p>
-                  <a:pPr/>
-                  <a14:m>
-                    <m:oMathPara xmlns:m="http://schemas.openxmlformats.org/officeDocument/2006/math">
-                      <m:oMathParaPr>
-                        <m:jc m:val="centerGroup"/>
-                      </m:oMathParaPr>
-                      <m:oMath xmlns:m="http://schemas.openxmlformats.org/officeDocument/2006/math">
-                        <m:acc>
-                          <m:accPr>
-                            <m:chr m:val="⃗"/>
-                            <m:ctrlPr>
-                              <a:rPr lang="fr-FR" sz="800" i="1" smtClean="0">
-                                <a:latin typeface="Cambria Math"/>
-                              </a:rPr>
-                            </m:ctrlPr>
-                          </m:accPr>
-                          <m:e>
-                            <m:r>
-                              <a:rPr lang="fr-FR" sz="800" b="0" i="1" smtClean="0">
-                                <a:latin typeface="Cambria Math"/>
-                              </a:rPr>
-                              <m:t>𝑦</m:t>
-                            </m:r>
-                          </m:e>
-                        </m:acc>
-                      </m:oMath>
-                    </m:oMathPara>
-                  </a14:m>
-                  <a:endParaRPr lang="fr-FR" sz="800" dirty="0"/>
-                </a:p>
-              </p:txBody>
-            </p:sp>
-          </mc:Choice>
-          <mc:Fallback xmlns="">
-            <p:sp>
-              <p:nvSpPr>
-                <p:cNvPr id="28" name="ZoneTexte 27"/>
-                <p:cNvSpPr txBox="1">
-                  <a:spLocks noRot="1" noChangeAspect="1" noMove="1" noResize="1" noEditPoints="1" noAdjustHandles="1" noChangeArrowheads="1" noChangeShapeType="1" noTextEdit="1"/>
-                </p:cNvSpPr>
-                <p:nvPr/>
-              </p:nvSpPr>
-              <p:spPr>
-                <a:xfrm>
-                  <a:off x="1146489" y="338145"/>
-                  <a:ext cx="266547" cy="215444"/>
-                </a:xfrm>
-                <a:prstGeom prst="rect">
-                  <a:avLst/>
-                </a:prstGeom>
-                <a:blipFill rotWithShape="1">
-                  <a:blip r:embed="rId14"/>
-                  <a:stretch>
-                    <a:fillRect t="-8333" r="-2273"/>
-                  </a:stretch>
-                </a:blipFill>
-              </p:spPr>
-              <p:txBody>
-                <a:bodyPr/>
-                <a:lstStyle/>
-                <a:p>
-                  <a:r>
-                    <a:rPr lang="fr-FR">
-                      <a:noFill/>
-                    </a:rPr>
-                    <a:t> </a:t>
-                  </a:r>
-                </a:p>
-              </p:txBody>
-            </p:sp>
-          </mc:Fallback>
-        </mc:AlternateContent>
-        <p:sp>
-          <p:nvSpPr>
-            <p:cNvPr id="36" name="Ellipse 35"/>
-            <p:cNvSpPr/>
-            <p:nvPr/>
-          </p:nvSpPr>
-          <p:spPr>
-            <a:xfrm>
-              <a:off x="1122092" y="872692"/>
-              <a:ext cx="133273" cy="133273"/>
-            </a:xfrm>
-            <a:prstGeom prst="ellipse">
-              <a:avLst/>
-            </a:prstGeom>
-            <a:solidFill>
-              <a:schemeClr val="bg1"/>
-            </a:solidFill>
-            <a:ln w="12700">
-              <a:solidFill>
-                <a:srgbClr val="C00000"/>
-              </a:solidFill>
-              <a:tailEnd type="stealth" w="med" len="lg"/>
-            </a:ln>
-          </p:spPr>
-          <p:style>
-            <a:lnRef idx="1">
-              <a:schemeClr val="accent1"/>
-            </a:lnRef>
-            <a:fillRef idx="0">
-              <a:schemeClr val="accent1"/>
-            </a:fillRef>
-            <a:effectRef idx="0">
-              <a:schemeClr val="accent1"/>
-            </a:effectRef>
-            <a:fontRef idx="minor">
-              <a:schemeClr val="tx1"/>
-            </a:fontRef>
-          </p:style>
-          <p:txBody>
-            <a:bodyPr rtlCol="0" anchor="ctr"/>
-            <a:lstStyle/>
-            <a:p>
-              <a:pPr algn="ctr"/>
-              <a:endParaRPr lang="fr-FR"/>
-            </a:p>
-          </p:txBody>
-        </p:sp>
-        <p:sp>
-          <p:nvSpPr>
-            <p:cNvPr id="39" name="Ellipse 38"/>
-            <p:cNvSpPr/>
-            <p:nvPr/>
-          </p:nvSpPr>
-          <p:spPr>
-            <a:xfrm flipV="1">
-              <a:off x="1165868" y="916469"/>
-              <a:ext cx="45720" cy="45720"/>
-            </a:xfrm>
-            <a:prstGeom prst="ellipse">
-              <a:avLst/>
-            </a:prstGeom>
-            <a:solidFill>
-              <a:srgbClr val="C00000"/>
-            </a:solidFill>
-            <a:ln w="12700">
-              <a:solidFill>
-                <a:srgbClr val="C00000"/>
-              </a:solidFill>
-              <a:tailEnd type="stealth" w="med" len="lg"/>
-            </a:ln>
-          </p:spPr>
-          <p:style>
-            <a:lnRef idx="1">
-              <a:schemeClr val="accent1"/>
-            </a:lnRef>
-            <a:fillRef idx="0">
-              <a:schemeClr val="accent1"/>
-            </a:fillRef>
-            <a:effectRef idx="0">
-              <a:schemeClr val="accent1"/>
-            </a:effectRef>
-            <a:fontRef idx="minor">
-              <a:schemeClr val="tx1"/>
-            </a:fontRef>
-          </p:style>
-          <p:txBody>
-            <a:bodyPr rtlCol="0" anchor="ctr"/>
-            <a:lstStyle/>
-            <a:p>
-              <a:pPr algn="ctr"/>
-              <a:endParaRPr lang="fr-FR"/>
-            </a:p>
-          </p:txBody>
-        </p:sp>
-      </p:grpSp>
+            </a:endParaRPr>
+          </a:p>
+        </p:txBody>
+      </p:sp>
     </p:spTree>
     <p:extLst>
       <p:ext uri="{BB962C8B-B14F-4D97-AF65-F5344CB8AC3E}">
-        <p14:creationId xmlns:p14="http://schemas.microsoft.com/office/powerpoint/2010/main" val="2949017978"/>
+        <p14:creationId xmlns:p14="http://schemas.microsoft.com/office/powerpoint/2010/main" val="1844016948"/>
       </p:ext>
     </p:extLst>
   </p:cSld>
